--- a/02_BrasBeta/Captures/Figures.pptx
+++ b/02_BrasBeta/Captures/Figures.pptx
@@ -8,6 +8,12 @@
     <p:sldId id="256" r:id="rId2"/>
     <p:sldId id="257" r:id="rId3"/>
     <p:sldId id="258" r:id="rId4"/>
+    <p:sldId id="259" r:id="rId5"/>
+    <p:sldId id="261" r:id="rId6"/>
+    <p:sldId id="262" r:id="rId7"/>
+    <p:sldId id="263" r:id="rId8"/>
+    <p:sldId id="264" r:id="rId9"/>
+    <p:sldId id="260" r:id="rId10"/>
   </p:sldIdLst>
   <p:sldSz cx="12192000" cy="6858000"/>
   <p:notesSz cx="6858000" cy="9144000"/>
@@ -106,6 +112,11 @@
       </a:defRPr>
     </a:lvl9pPr>
   </p:defaultTextStyle>
+  <p:extLst>
+    <p:ext uri="{EFAFB233-063F-42B5-8137-9DF3F51BA10A}">
+      <p15:sldGuideLst xmlns:p15="http://schemas.microsoft.com/office/powerpoint/2012/main"/>
+    </p:ext>
+  </p:extLst>
 </p:presentation>
 </file>
 
@@ -240,7 +251,7 @@
           <a:p>
             <a:fld id="{F9525C84-83A3-4BA4-A1C9-457FD259AAD1}" type="datetimeFigureOut">
               <a:rPr lang="fr-FR" smtClean="0"/>
-              <a:t>05/04/2023</a:t>
+              <a:t>06/04/2023</a:t>
             </a:fld>
             <a:endParaRPr lang="fr-FR"/>
           </a:p>
@@ -410,7 +421,7 @@
           <a:p>
             <a:fld id="{F9525C84-83A3-4BA4-A1C9-457FD259AAD1}" type="datetimeFigureOut">
               <a:rPr lang="fr-FR" smtClean="0"/>
-              <a:t>05/04/2023</a:t>
+              <a:t>06/04/2023</a:t>
             </a:fld>
             <a:endParaRPr lang="fr-FR"/>
           </a:p>
@@ -590,7 +601,7 @@
           <a:p>
             <a:fld id="{F9525C84-83A3-4BA4-A1C9-457FD259AAD1}" type="datetimeFigureOut">
               <a:rPr lang="fr-FR" smtClean="0"/>
-              <a:t>05/04/2023</a:t>
+              <a:t>06/04/2023</a:t>
             </a:fld>
             <a:endParaRPr lang="fr-FR"/>
           </a:p>
@@ -760,7 +771,7 @@
           <a:p>
             <a:fld id="{F9525C84-83A3-4BA4-A1C9-457FD259AAD1}" type="datetimeFigureOut">
               <a:rPr lang="fr-FR" smtClean="0"/>
-              <a:t>05/04/2023</a:t>
+              <a:t>06/04/2023</a:t>
             </a:fld>
             <a:endParaRPr lang="fr-FR"/>
           </a:p>
@@ -1006,7 +1017,7 @@
           <a:p>
             <a:fld id="{F9525C84-83A3-4BA4-A1C9-457FD259AAD1}" type="datetimeFigureOut">
               <a:rPr lang="fr-FR" smtClean="0"/>
-              <a:t>05/04/2023</a:t>
+              <a:t>06/04/2023</a:t>
             </a:fld>
             <a:endParaRPr lang="fr-FR"/>
           </a:p>
@@ -1238,7 +1249,7 @@
           <a:p>
             <a:fld id="{F9525C84-83A3-4BA4-A1C9-457FD259AAD1}" type="datetimeFigureOut">
               <a:rPr lang="fr-FR" smtClean="0"/>
-              <a:t>05/04/2023</a:t>
+              <a:t>06/04/2023</a:t>
             </a:fld>
             <a:endParaRPr lang="fr-FR"/>
           </a:p>
@@ -1605,7 +1616,7 @@
           <a:p>
             <a:fld id="{F9525C84-83A3-4BA4-A1C9-457FD259AAD1}" type="datetimeFigureOut">
               <a:rPr lang="fr-FR" smtClean="0"/>
-              <a:t>05/04/2023</a:t>
+              <a:t>06/04/2023</a:t>
             </a:fld>
             <a:endParaRPr lang="fr-FR"/>
           </a:p>
@@ -1723,7 +1734,7 @@
           <a:p>
             <a:fld id="{F9525C84-83A3-4BA4-A1C9-457FD259AAD1}" type="datetimeFigureOut">
               <a:rPr lang="fr-FR" smtClean="0"/>
-              <a:t>05/04/2023</a:t>
+              <a:t>06/04/2023</a:t>
             </a:fld>
             <a:endParaRPr lang="fr-FR"/>
           </a:p>
@@ -1818,7 +1829,7 @@
           <a:p>
             <a:fld id="{F9525C84-83A3-4BA4-A1C9-457FD259AAD1}" type="datetimeFigureOut">
               <a:rPr lang="fr-FR" smtClean="0"/>
-              <a:t>05/04/2023</a:t>
+              <a:t>06/04/2023</a:t>
             </a:fld>
             <a:endParaRPr lang="fr-FR"/>
           </a:p>
@@ -2095,7 +2106,7 @@
           <a:p>
             <a:fld id="{F9525C84-83A3-4BA4-A1C9-457FD259AAD1}" type="datetimeFigureOut">
               <a:rPr lang="fr-FR" smtClean="0"/>
-              <a:t>05/04/2023</a:t>
+              <a:t>06/04/2023</a:t>
             </a:fld>
             <a:endParaRPr lang="fr-FR"/>
           </a:p>
@@ -2348,7 +2359,7 @@
           <a:p>
             <a:fld id="{F9525C84-83A3-4BA4-A1C9-457FD259AAD1}" type="datetimeFigureOut">
               <a:rPr lang="fr-FR" smtClean="0"/>
-              <a:t>05/04/2023</a:t>
+              <a:t>06/04/2023</a:t>
             </a:fld>
             <a:endParaRPr lang="fr-FR"/>
           </a:p>
@@ -2561,7 +2572,7 @@
           <a:p>
             <a:fld id="{F9525C84-83A3-4BA4-A1C9-457FD259AAD1}" type="datetimeFigureOut">
               <a:rPr lang="fr-FR" smtClean="0"/>
-              <a:t>05/04/2023</a:t>
+              <a:t>06/04/2023</a:t>
             </a:fld>
             <a:endParaRPr lang="fr-FR"/>
           </a:p>
@@ -4331,6 +4342,1380 @@
 </p:sld>
 </file>
 
+<file path=ppt/slides/slide4.xml><?xml version="1.0" encoding="utf-8"?>
+<p:sld xmlns:a="http://schemas.openxmlformats.org/drawingml/2006/main" xmlns:r="http://schemas.openxmlformats.org/officeDocument/2006/relationships" xmlns:p="http://schemas.openxmlformats.org/presentationml/2006/main">
+  <p:cSld>
+    <p:spTree>
+      <p:nvGrpSpPr>
+        <p:cNvPr id="1" name=""/>
+        <p:cNvGrpSpPr/>
+        <p:nvPr/>
+      </p:nvGrpSpPr>
+      <p:grpSpPr>
+        <a:xfrm>
+          <a:off x="0" y="0"/>
+          <a:ext cx="0" cy="0"/>
+          <a:chOff x="0" y="0"/>
+          <a:chExt cx="0" cy="0"/>
+        </a:xfrm>
+      </p:grpSpPr>
+      <p:pic>
+        <p:nvPicPr>
+          <p:cNvPr id="4" name="Image 3"/>
+          <p:cNvPicPr>
+            <a:picLocks noChangeAspect="1"/>
+          </p:cNvPicPr>
+          <p:nvPr/>
+        </p:nvPicPr>
+        <p:blipFill>
+          <a:blip r:embed="rId2" cstate="print">
+            <a:extLst>
+              <a:ext uri="{28A0092B-C50C-407E-A947-70E740481C1C}">
+                <a14:useLocalDpi xmlns:a14="http://schemas.microsoft.com/office/drawing/2010/main" val="0"/>
+              </a:ext>
+            </a:extLst>
+          </a:blip>
+          <a:stretch>
+            <a:fillRect/>
+          </a:stretch>
+        </p:blipFill>
+        <p:spPr>
+          <a:xfrm>
+            <a:off x="101600" y="1029970"/>
+            <a:ext cx="5925473" cy="4501880"/>
+          </a:xfrm>
+          <a:prstGeom prst="rect">
+            <a:avLst/>
+          </a:prstGeom>
+        </p:spPr>
+      </p:pic>
+      <p:sp>
+        <p:nvSpPr>
+          <p:cNvPr id="5" name="Rectangle 4"/>
+          <p:cNvSpPr/>
+          <p:nvPr/>
+        </p:nvSpPr>
+        <p:spPr>
+          <a:xfrm>
+            <a:off x="4497451" y="1283970"/>
+            <a:ext cx="1529622" cy="203200"/>
+          </a:xfrm>
+          <a:prstGeom prst="rect">
+            <a:avLst/>
+          </a:prstGeom>
+          <a:noFill/>
+          <a:ln w="19050">
+            <a:solidFill>
+              <a:srgbClr val="00B050"/>
+            </a:solidFill>
+            <a:prstDash val="sysDash"/>
+          </a:ln>
+        </p:spPr>
+        <p:style>
+          <a:lnRef idx="2">
+            <a:schemeClr val="accent1">
+              <a:shade val="50000"/>
+            </a:schemeClr>
+          </a:lnRef>
+          <a:fillRef idx="1">
+            <a:schemeClr val="accent1"/>
+          </a:fillRef>
+          <a:effectRef idx="0">
+            <a:schemeClr val="accent1"/>
+          </a:effectRef>
+          <a:fontRef idx="minor">
+            <a:schemeClr val="lt1"/>
+          </a:fontRef>
+        </p:style>
+        <p:txBody>
+          <a:bodyPr rtlCol="0" anchor="ctr"/>
+          <a:lstStyle/>
+          <a:p>
+            <a:pPr algn="ctr"/>
+            <a:endParaRPr lang="fr-FR"/>
+          </a:p>
+        </p:txBody>
+      </p:sp>
+      <p:sp>
+        <p:nvSpPr>
+          <p:cNvPr id="6" name="Rectangle 5"/>
+          <p:cNvSpPr/>
+          <p:nvPr/>
+        </p:nvSpPr>
+        <p:spPr>
+          <a:xfrm>
+            <a:off x="222251" y="1588770"/>
+            <a:ext cx="990599" cy="201930"/>
+          </a:xfrm>
+          <a:prstGeom prst="rect">
+            <a:avLst/>
+          </a:prstGeom>
+          <a:noFill/>
+          <a:ln w="19050">
+            <a:solidFill>
+              <a:srgbClr val="00B050"/>
+            </a:solidFill>
+            <a:prstDash val="sysDash"/>
+          </a:ln>
+        </p:spPr>
+        <p:style>
+          <a:lnRef idx="2">
+            <a:schemeClr val="accent1">
+              <a:shade val="50000"/>
+            </a:schemeClr>
+          </a:lnRef>
+          <a:fillRef idx="1">
+            <a:schemeClr val="accent1"/>
+          </a:fillRef>
+          <a:effectRef idx="0">
+            <a:schemeClr val="accent1"/>
+          </a:effectRef>
+          <a:fontRef idx="minor">
+            <a:schemeClr val="lt1"/>
+          </a:fontRef>
+        </p:style>
+        <p:txBody>
+          <a:bodyPr rtlCol="0" anchor="ctr"/>
+          <a:lstStyle/>
+          <a:p>
+            <a:pPr algn="ctr"/>
+            <a:endParaRPr lang="fr-FR"/>
+          </a:p>
+        </p:txBody>
+      </p:sp>
+      <p:sp>
+        <p:nvSpPr>
+          <p:cNvPr id="7" name="Ellipse 6"/>
+          <p:cNvSpPr/>
+          <p:nvPr/>
+        </p:nvSpPr>
+        <p:spPr>
+          <a:xfrm>
+            <a:off x="615950" y="1352550"/>
+            <a:ext cx="203200" cy="203200"/>
+          </a:xfrm>
+          <a:prstGeom prst="ellipse">
+            <a:avLst/>
+          </a:prstGeom>
+          <a:solidFill>
+            <a:schemeClr val="bg1"/>
+          </a:solidFill>
+          <a:ln w="28575">
+            <a:solidFill>
+              <a:srgbClr val="00B050"/>
+            </a:solidFill>
+          </a:ln>
+        </p:spPr>
+        <p:style>
+          <a:lnRef idx="2">
+            <a:schemeClr val="accent1">
+              <a:shade val="50000"/>
+            </a:schemeClr>
+          </a:lnRef>
+          <a:fillRef idx="1">
+            <a:schemeClr val="accent1"/>
+          </a:fillRef>
+          <a:effectRef idx="0">
+            <a:schemeClr val="accent1"/>
+          </a:effectRef>
+          <a:fontRef idx="minor">
+            <a:schemeClr val="lt1"/>
+          </a:fontRef>
+        </p:style>
+        <p:txBody>
+          <a:bodyPr lIns="0" tIns="0" rIns="0" bIns="0" rtlCol="0" anchor="ctr"/>
+          <a:lstStyle/>
+          <a:p>
+            <a:pPr algn="ctr"/>
+            <a:r>
+              <a:rPr lang="fr-FR" sz="1200" b="1" dirty="0">
+                <a:solidFill>
+                  <a:srgbClr val="00B050"/>
+                </a:solidFill>
+              </a:rPr>
+              <a:t>1</a:t>
+            </a:r>
+            <a:endParaRPr lang="fr-FR" sz="1200" b="1" dirty="0">
+              <a:solidFill>
+                <a:srgbClr val="00B050"/>
+              </a:solidFill>
+            </a:endParaRPr>
+          </a:p>
+        </p:txBody>
+      </p:sp>
+      <p:sp>
+        <p:nvSpPr>
+          <p:cNvPr id="10" name="Ellipse 9"/>
+          <p:cNvSpPr/>
+          <p:nvPr/>
+        </p:nvSpPr>
+        <p:spPr>
+          <a:xfrm>
+            <a:off x="4195826" y="1283970"/>
+            <a:ext cx="203200" cy="203200"/>
+          </a:xfrm>
+          <a:prstGeom prst="ellipse">
+            <a:avLst/>
+          </a:prstGeom>
+          <a:solidFill>
+            <a:schemeClr val="bg1"/>
+          </a:solidFill>
+          <a:ln w="28575">
+            <a:solidFill>
+              <a:srgbClr val="00B050"/>
+            </a:solidFill>
+          </a:ln>
+        </p:spPr>
+        <p:style>
+          <a:lnRef idx="2">
+            <a:schemeClr val="accent1">
+              <a:shade val="50000"/>
+            </a:schemeClr>
+          </a:lnRef>
+          <a:fillRef idx="1">
+            <a:schemeClr val="accent1"/>
+          </a:fillRef>
+          <a:effectRef idx="0">
+            <a:schemeClr val="accent1"/>
+          </a:effectRef>
+          <a:fontRef idx="minor">
+            <a:schemeClr val="lt1"/>
+          </a:fontRef>
+        </p:style>
+        <p:txBody>
+          <a:bodyPr lIns="0" tIns="0" rIns="0" bIns="0" rtlCol="0" anchor="ctr"/>
+          <a:lstStyle/>
+          <a:p>
+            <a:pPr algn="ctr"/>
+            <a:r>
+              <a:rPr lang="fr-FR" sz="1200" b="1" dirty="0">
+                <a:solidFill>
+                  <a:srgbClr val="00B050"/>
+                </a:solidFill>
+              </a:rPr>
+              <a:t>1</a:t>
+            </a:r>
+            <a:endParaRPr lang="fr-FR" sz="1200" b="1" dirty="0">
+              <a:solidFill>
+                <a:srgbClr val="00B050"/>
+              </a:solidFill>
+            </a:endParaRPr>
+          </a:p>
+        </p:txBody>
+      </p:sp>
+      <p:sp>
+        <p:nvSpPr>
+          <p:cNvPr id="11" name="Rectangle 10"/>
+          <p:cNvSpPr/>
+          <p:nvPr/>
+        </p:nvSpPr>
+        <p:spPr>
+          <a:xfrm>
+            <a:off x="406401" y="1925320"/>
+            <a:ext cx="1092200" cy="203200"/>
+          </a:xfrm>
+          <a:prstGeom prst="rect">
+            <a:avLst/>
+          </a:prstGeom>
+          <a:noFill/>
+          <a:ln w="19050">
+            <a:solidFill>
+              <a:srgbClr val="7030A0"/>
+            </a:solidFill>
+            <a:prstDash val="sysDash"/>
+          </a:ln>
+        </p:spPr>
+        <p:style>
+          <a:lnRef idx="2">
+            <a:schemeClr val="accent1">
+              <a:shade val="50000"/>
+            </a:schemeClr>
+          </a:lnRef>
+          <a:fillRef idx="1">
+            <a:schemeClr val="accent1"/>
+          </a:fillRef>
+          <a:effectRef idx="0">
+            <a:schemeClr val="accent1"/>
+          </a:effectRef>
+          <a:fontRef idx="minor">
+            <a:schemeClr val="lt1"/>
+          </a:fontRef>
+        </p:style>
+        <p:txBody>
+          <a:bodyPr rtlCol="0" anchor="ctr"/>
+          <a:lstStyle/>
+          <a:p>
+            <a:pPr algn="ctr"/>
+            <a:endParaRPr lang="fr-FR"/>
+          </a:p>
+        </p:txBody>
+      </p:sp>
+      <p:sp>
+        <p:nvSpPr>
+          <p:cNvPr id="12" name="Ellipse 11"/>
+          <p:cNvSpPr/>
+          <p:nvPr/>
+        </p:nvSpPr>
+        <p:spPr>
+          <a:xfrm>
+            <a:off x="101600" y="1925320"/>
+            <a:ext cx="203200" cy="203200"/>
+          </a:xfrm>
+          <a:prstGeom prst="ellipse">
+            <a:avLst/>
+          </a:prstGeom>
+          <a:solidFill>
+            <a:schemeClr val="bg1"/>
+          </a:solidFill>
+          <a:ln w="28575">
+            <a:solidFill>
+              <a:srgbClr val="00B050"/>
+            </a:solidFill>
+          </a:ln>
+        </p:spPr>
+        <p:style>
+          <a:lnRef idx="2">
+            <a:schemeClr val="accent1">
+              <a:shade val="50000"/>
+            </a:schemeClr>
+          </a:lnRef>
+          <a:fillRef idx="1">
+            <a:schemeClr val="accent1"/>
+          </a:fillRef>
+          <a:effectRef idx="0">
+            <a:schemeClr val="accent1"/>
+          </a:effectRef>
+          <a:fontRef idx="minor">
+            <a:schemeClr val="lt1"/>
+          </a:fontRef>
+        </p:style>
+        <p:txBody>
+          <a:bodyPr lIns="0" tIns="0" rIns="0" bIns="0" rtlCol="0" anchor="ctr"/>
+          <a:lstStyle/>
+          <a:p>
+            <a:pPr algn="ctr"/>
+            <a:r>
+              <a:rPr lang="fr-FR" sz="1200" b="1" dirty="0">
+                <a:solidFill>
+                  <a:srgbClr val="00B050"/>
+                </a:solidFill>
+              </a:rPr>
+              <a:t>2</a:t>
+            </a:r>
+            <a:endParaRPr lang="fr-FR" sz="1200" b="1" dirty="0">
+              <a:solidFill>
+                <a:srgbClr val="00B050"/>
+              </a:solidFill>
+            </a:endParaRPr>
+          </a:p>
+        </p:txBody>
+      </p:sp>
+      <p:pic>
+        <p:nvPicPr>
+          <p:cNvPr id="29" name="Image 28"/>
+          <p:cNvPicPr>
+            <a:picLocks noChangeAspect="1"/>
+          </p:cNvPicPr>
+          <p:nvPr/>
+        </p:nvPicPr>
+        <p:blipFill>
+          <a:blip r:embed="rId3"/>
+          <a:stretch>
+            <a:fillRect/>
+          </a:stretch>
+        </p:blipFill>
+        <p:spPr>
+          <a:xfrm>
+            <a:off x="7109674" y="130483"/>
+            <a:ext cx="2767156" cy="2510173"/>
+          </a:xfrm>
+          <a:prstGeom prst="rect">
+            <a:avLst/>
+          </a:prstGeom>
+          <a:ln w="28575">
+            <a:solidFill>
+              <a:srgbClr val="7030A0"/>
+            </a:solidFill>
+            <a:prstDash val="sysDash"/>
+          </a:ln>
+        </p:spPr>
+      </p:pic>
+    </p:spTree>
+    <p:extLst>
+      <p:ext uri="{BB962C8B-B14F-4D97-AF65-F5344CB8AC3E}">
+        <p14:creationId xmlns:p14="http://schemas.microsoft.com/office/powerpoint/2010/main" val="785852891"/>
+      </p:ext>
+    </p:extLst>
+  </p:cSld>
+  <p:clrMapOvr>
+    <a:masterClrMapping/>
+  </p:clrMapOvr>
+</p:sld>
+</file>
+
+<file path=ppt/slides/slide5.xml><?xml version="1.0" encoding="utf-8"?>
+<p:sld xmlns:a="http://schemas.openxmlformats.org/drawingml/2006/main" xmlns:r="http://schemas.openxmlformats.org/officeDocument/2006/relationships" xmlns:p="http://schemas.openxmlformats.org/presentationml/2006/main">
+  <p:cSld>
+    <p:spTree>
+      <p:nvGrpSpPr>
+        <p:cNvPr id="1" name=""/>
+        <p:cNvGrpSpPr/>
+        <p:nvPr/>
+      </p:nvGrpSpPr>
+      <p:grpSpPr>
+        <a:xfrm>
+          <a:off x="0" y="0"/>
+          <a:ext cx="0" cy="0"/>
+          <a:chOff x="0" y="0"/>
+          <a:chExt cx="0" cy="0"/>
+        </a:xfrm>
+      </p:grpSpPr>
+      <p:grpSp>
+        <p:nvGrpSpPr>
+          <p:cNvPr id="4" name="Groupe 3"/>
+          <p:cNvGrpSpPr/>
+          <p:nvPr/>
+        </p:nvGrpSpPr>
+        <p:grpSpPr>
+          <a:xfrm>
+            <a:off x="6874482" y="0"/>
+            <a:ext cx="3641118" cy="3294617"/>
+            <a:chOff x="6874482" y="0"/>
+            <a:chExt cx="3641118" cy="3294617"/>
+          </a:xfrm>
+        </p:grpSpPr>
+        <p:pic>
+          <p:nvPicPr>
+            <p:cNvPr id="5" name="Image 4"/>
+            <p:cNvPicPr>
+              <a:picLocks noChangeAspect="1"/>
+            </p:cNvPicPr>
+            <p:nvPr/>
+          </p:nvPicPr>
+          <p:blipFill>
+            <a:blip r:embed="rId2"/>
+            <a:stretch>
+              <a:fillRect/>
+            </a:stretch>
+          </p:blipFill>
+          <p:spPr>
+            <a:xfrm>
+              <a:off x="6976082" y="0"/>
+              <a:ext cx="3539518" cy="3294617"/>
+            </a:xfrm>
+            <a:prstGeom prst="rect">
+              <a:avLst/>
+            </a:prstGeom>
+          </p:spPr>
+        </p:pic>
+        <p:sp>
+          <p:nvSpPr>
+            <p:cNvPr id="6" name="Flèche à quatre pointes 5"/>
+            <p:cNvSpPr/>
+            <p:nvPr/>
+          </p:nvSpPr>
+          <p:spPr>
+            <a:xfrm>
+              <a:off x="8173057" y="417738"/>
+              <a:ext cx="571500" cy="571500"/>
+            </a:xfrm>
+            <a:prstGeom prst="quadArrow">
+              <a:avLst>
+                <a:gd name="adj1" fmla="val 19167"/>
+                <a:gd name="adj2" fmla="val 17500"/>
+                <a:gd name="adj3" fmla="val 20833"/>
+              </a:avLst>
+            </a:prstGeom>
+            <a:noFill/>
+            <a:ln w="38100">
+              <a:solidFill>
+                <a:srgbClr val="FF0000"/>
+              </a:solidFill>
+            </a:ln>
+          </p:spPr>
+          <p:style>
+            <a:lnRef idx="2">
+              <a:schemeClr val="accent1">
+                <a:shade val="50000"/>
+              </a:schemeClr>
+            </a:lnRef>
+            <a:fillRef idx="1">
+              <a:schemeClr val="accent1"/>
+            </a:fillRef>
+            <a:effectRef idx="0">
+              <a:schemeClr val="accent1"/>
+            </a:effectRef>
+            <a:fontRef idx="minor">
+              <a:schemeClr val="lt1"/>
+            </a:fontRef>
+          </p:style>
+          <p:txBody>
+            <a:bodyPr rtlCol="0" anchor="ctr"/>
+            <a:lstStyle/>
+            <a:p>
+              <a:pPr algn="ctr"/>
+              <a:endParaRPr lang="fr-FR"/>
+            </a:p>
+          </p:txBody>
+        </p:sp>
+        <p:sp>
+          <p:nvSpPr>
+            <p:cNvPr id="7" name="Flèche à quatre pointes 6"/>
+            <p:cNvSpPr/>
+            <p:nvPr/>
+          </p:nvSpPr>
+          <p:spPr>
+            <a:xfrm>
+              <a:off x="8594048" y="1324426"/>
+              <a:ext cx="571500" cy="571500"/>
+            </a:xfrm>
+            <a:prstGeom prst="quadArrow">
+              <a:avLst>
+                <a:gd name="adj1" fmla="val 19167"/>
+                <a:gd name="adj2" fmla="val 17500"/>
+                <a:gd name="adj3" fmla="val 20833"/>
+              </a:avLst>
+            </a:prstGeom>
+            <a:noFill/>
+            <a:ln w="38100">
+              <a:solidFill>
+                <a:srgbClr val="00B050"/>
+              </a:solidFill>
+            </a:ln>
+          </p:spPr>
+          <p:style>
+            <a:lnRef idx="2">
+              <a:schemeClr val="accent1">
+                <a:shade val="50000"/>
+              </a:schemeClr>
+            </a:lnRef>
+            <a:fillRef idx="1">
+              <a:schemeClr val="accent1"/>
+            </a:fillRef>
+            <a:effectRef idx="0">
+              <a:schemeClr val="accent1"/>
+            </a:effectRef>
+            <a:fontRef idx="minor">
+              <a:schemeClr val="lt1"/>
+            </a:fontRef>
+          </p:style>
+          <p:txBody>
+            <a:bodyPr rtlCol="0" anchor="ctr"/>
+            <a:lstStyle/>
+            <a:p>
+              <a:pPr algn="ctr"/>
+              <a:endParaRPr lang="fr-FR"/>
+            </a:p>
+          </p:txBody>
+        </p:sp>
+        <p:sp>
+          <p:nvSpPr>
+            <p:cNvPr id="8" name="Ellipse 7"/>
+            <p:cNvSpPr/>
+            <p:nvPr/>
+          </p:nvSpPr>
+          <p:spPr>
+            <a:xfrm>
+              <a:off x="7919057" y="601888"/>
+              <a:ext cx="203200" cy="203200"/>
+            </a:xfrm>
+            <a:prstGeom prst="ellipse">
+              <a:avLst/>
+            </a:prstGeom>
+            <a:solidFill>
+              <a:schemeClr val="bg1"/>
+            </a:solidFill>
+            <a:ln w="28575">
+              <a:solidFill>
+                <a:srgbClr val="00B050"/>
+              </a:solidFill>
+            </a:ln>
+          </p:spPr>
+          <p:style>
+            <a:lnRef idx="2">
+              <a:schemeClr val="accent1">
+                <a:shade val="50000"/>
+              </a:schemeClr>
+            </a:lnRef>
+            <a:fillRef idx="1">
+              <a:schemeClr val="accent1"/>
+            </a:fillRef>
+            <a:effectRef idx="0">
+              <a:schemeClr val="accent1"/>
+            </a:effectRef>
+            <a:fontRef idx="minor">
+              <a:schemeClr val="lt1"/>
+            </a:fontRef>
+          </p:style>
+          <p:txBody>
+            <a:bodyPr lIns="0" tIns="0" rIns="0" bIns="0" rtlCol="0" anchor="ctr"/>
+            <a:lstStyle/>
+            <a:p>
+              <a:pPr algn="ctr"/>
+              <a:r>
+                <a:rPr lang="fr-FR" sz="1200" b="1" dirty="0" smtClean="0">
+                  <a:solidFill>
+                    <a:srgbClr val="00B050"/>
+                  </a:solidFill>
+                </a:rPr>
+                <a:t>3</a:t>
+              </a:r>
+              <a:endParaRPr lang="fr-FR" sz="1200" b="1" dirty="0">
+                <a:solidFill>
+                  <a:srgbClr val="00B050"/>
+                </a:solidFill>
+              </a:endParaRPr>
+            </a:p>
+          </p:txBody>
+        </p:sp>
+        <p:sp>
+          <p:nvSpPr>
+            <p:cNvPr id="9" name="Ellipse 8"/>
+            <p:cNvSpPr/>
+            <p:nvPr/>
+          </p:nvSpPr>
+          <p:spPr>
+            <a:xfrm>
+              <a:off x="9237966" y="1508576"/>
+              <a:ext cx="203200" cy="203200"/>
+            </a:xfrm>
+            <a:prstGeom prst="ellipse">
+              <a:avLst/>
+            </a:prstGeom>
+            <a:solidFill>
+              <a:schemeClr val="bg1"/>
+            </a:solidFill>
+            <a:ln w="28575">
+              <a:solidFill>
+                <a:srgbClr val="00B050"/>
+              </a:solidFill>
+            </a:ln>
+          </p:spPr>
+          <p:style>
+            <a:lnRef idx="2">
+              <a:schemeClr val="accent1">
+                <a:shade val="50000"/>
+              </a:schemeClr>
+            </a:lnRef>
+            <a:fillRef idx="1">
+              <a:schemeClr val="accent1"/>
+            </a:fillRef>
+            <a:effectRef idx="0">
+              <a:schemeClr val="accent1"/>
+            </a:effectRef>
+            <a:fontRef idx="minor">
+              <a:schemeClr val="lt1"/>
+            </a:fontRef>
+          </p:style>
+          <p:txBody>
+            <a:bodyPr lIns="0" tIns="0" rIns="0" bIns="0" rtlCol="0" anchor="ctr"/>
+            <a:lstStyle/>
+            <a:p>
+              <a:pPr algn="ctr"/>
+              <a:r>
+                <a:rPr lang="fr-FR" sz="1200" b="1" dirty="0" smtClean="0">
+                  <a:solidFill>
+                    <a:srgbClr val="00B050"/>
+                  </a:solidFill>
+                </a:rPr>
+                <a:t>3</a:t>
+              </a:r>
+              <a:endParaRPr lang="fr-FR" sz="1200" b="1" dirty="0">
+                <a:solidFill>
+                  <a:srgbClr val="00B050"/>
+                </a:solidFill>
+              </a:endParaRPr>
+            </a:p>
+          </p:txBody>
+        </p:sp>
+        <p:sp>
+          <p:nvSpPr>
+            <p:cNvPr id="10" name="Rectangle 9"/>
+            <p:cNvSpPr/>
+            <p:nvPr/>
+          </p:nvSpPr>
+          <p:spPr>
+            <a:xfrm>
+              <a:off x="7118350" y="3061057"/>
+              <a:ext cx="2540000" cy="171093"/>
+            </a:xfrm>
+            <a:prstGeom prst="rect">
+              <a:avLst/>
+            </a:prstGeom>
+            <a:noFill/>
+            <a:ln w="19050">
+              <a:solidFill>
+                <a:srgbClr val="00B050"/>
+              </a:solidFill>
+              <a:prstDash val="sysDash"/>
+            </a:ln>
+          </p:spPr>
+          <p:style>
+            <a:lnRef idx="2">
+              <a:schemeClr val="accent1">
+                <a:shade val="50000"/>
+              </a:schemeClr>
+            </a:lnRef>
+            <a:fillRef idx="1">
+              <a:schemeClr val="accent1"/>
+            </a:fillRef>
+            <a:effectRef idx="0">
+              <a:schemeClr val="accent1"/>
+            </a:effectRef>
+            <a:fontRef idx="minor">
+              <a:schemeClr val="lt1"/>
+            </a:fontRef>
+          </p:style>
+          <p:txBody>
+            <a:bodyPr rtlCol="0" anchor="ctr"/>
+            <a:lstStyle/>
+            <a:p>
+              <a:pPr algn="ctr"/>
+              <a:endParaRPr lang="fr-FR"/>
+            </a:p>
+          </p:txBody>
+        </p:sp>
+        <p:sp>
+          <p:nvSpPr>
+            <p:cNvPr id="11" name="Ellipse 10"/>
+            <p:cNvSpPr/>
+            <p:nvPr/>
+          </p:nvSpPr>
+          <p:spPr>
+            <a:xfrm>
+              <a:off x="6874482" y="3045003"/>
+              <a:ext cx="203200" cy="203200"/>
+            </a:xfrm>
+            <a:prstGeom prst="ellipse">
+              <a:avLst/>
+            </a:prstGeom>
+            <a:solidFill>
+              <a:schemeClr val="bg1"/>
+            </a:solidFill>
+            <a:ln w="28575">
+              <a:solidFill>
+                <a:srgbClr val="00B050"/>
+              </a:solidFill>
+            </a:ln>
+          </p:spPr>
+          <p:style>
+            <a:lnRef idx="2">
+              <a:schemeClr val="accent1">
+                <a:shade val="50000"/>
+              </a:schemeClr>
+            </a:lnRef>
+            <a:fillRef idx="1">
+              <a:schemeClr val="accent1"/>
+            </a:fillRef>
+            <a:effectRef idx="0">
+              <a:schemeClr val="accent1"/>
+            </a:effectRef>
+            <a:fontRef idx="minor">
+              <a:schemeClr val="lt1"/>
+            </a:fontRef>
+          </p:style>
+          <p:txBody>
+            <a:bodyPr lIns="0" tIns="0" rIns="0" bIns="0" rtlCol="0" anchor="ctr"/>
+            <a:lstStyle/>
+            <a:p>
+              <a:pPr algn="ctr"/>
+              <a:r>
+                <a:rPr lang="fr-FR" sz="1200" b="1" dirty="0" smtClean="0">
+                  <a:solidFill>
+                    <a:srgbClr val="00B050"/>
+                  </a:solidFill>
+                </a:rPr>
+                <a:t>4</a:t>
+              </a:r>
+              <a:endParaRPr lang="fr-FR" sz="1200" b="1" dirty="0">
+                <a:solidFill>
+                  <a:srgbClr val="00B050"/>
+                </a:solidFill>
+              </a:endParaRPr>
+            </a:p>
+          </p:txBody>
+        </p:sp>
+      </p:grpSp>
+    </p:spTree>
+    <p:extLst>
+      <p:ext uri="{BB962C8B-B14F-4D97-AF65-F5344CB8AC3E}">
+        <p14:creationId xmlns:p14="http://schemas.microsoft.com/office/powerpoint/2010/main" val="3830689969"/>
+      </p:ext>
+    </p:extLst>
+  </p:cSld>
+  <p:clrMapOvr>
+    <a:masterClrMapping/>
+  </p:clrMapOvr>
+</p:sld>
+</file>
+
+<file path=ppt/slides/slide6.xml><?xml version="1.0" encoding="utf-8"?>
+<p:sld xmlns:a="http://schemas.openxmlformats.org/drawingml/2006/main" xmlns:r="http://schemas.openxmlformats.org/officeDocument/2006/relationships" xmlns:p="http://schemas.openxmlformats.org/presentationml/2006/main">
+  <p:cSld>
+    <p:spTree>
+      <p:nvGrpSpPr>
+        <p:cNvPr id="1" name=""/>
+        <p:cNvGrpSpPr/>
+        <p:nvPr/>
+      </p:nvGrpSpPr>
+      <p:grpSpPr>
+        <a:xfrm>
+          <a:off x="0" y="0"/>
+          <a:ext cx="0" cy="0"/>
+          <a:chOff x="0" y="0"/>
+          <a:chExt cx="0" cy="0"/>
+        </a:xfrm>
+      </p:grpSpPr>
+      <p:pic>
+        <p:nvPicPr>
+          <p:cNvPr id="4" name="Image 3"/>
+          <p:cNvPicPr>
+            <a:picLocks noChangeAspect="1"/>
+          </p:cNvPicPr>
+          <p:nvPr/>
+        </p:nvPicPr>
+        <p:blipFill>
+          <a:blip r:embed="rId2"/>
+          <a:stretch>
+            <a:fillRect/>
+          </a:stretch>
+        </p:blipFill>
+        <p:spPr>
+          <a:xfrm>
+            <a:off x="2071126" y="418680"/>
+            <a:ext cx="8049748" cy="6020640"/>
+          </a:xfrm>
+          <a:prstGeom prst="rect">
+            <a:avLst/>
+          </a:prstGeom>
+        </p:spPr>
+      </p:pic>
+    </p:spTree>
+    <p:extLst>
+      <p:ext uri="{BB962C8B-B14F-4D97-AF65-F5344CB8AC3E}">
+        <p14:creationId xmlns:p14="http://schemas.microsoft.com/office/powerpoint/2010/main" val="91212649"/>
+      </p:ext>
+    </p:extLst>
+  </p:cSld>
+  <p:clrMapOvr>
+    <a:masterClrMapping/>
+  </p:clrMapOvr>
+</p:sld>
+</file>
+
+<file path=ppt/slides/slide7.xml><?xml version="1.0" encoding="utf-8"?>
+<p:sld xmlns:a="http://schemas.openxmlformats.org/drawingml/2006/main" xmlns:r="http://schemas.openxmlformats.org/officeDocument/2006/relationships" xmlns:p="http://schemas.openxmlformats.org/presentationml/2006/main">
+  <p:cSld>
+    <p:spTree>
+      <p:nvGrpSpPr>
+        <p:cNvPr id="1" name=""/>
+        <p:cNvGrpSpPr/>
+        <p:nvPr/>
+      </p:nvGrpSpPr>
+      <p:grpSpPr>
+        <a:xfrm>
+          <a:off x="0" y="0"/>
+          <a:ext cx="0" cy="0"/>
+          <a:chOff x="0" y="0"/>
+          <a:chExt cx="0" cy="0"/>
+        </a:xfrm>
+      </p:grpSpPr>
+      <p:pic>
+        <p:nvPicPr>
+          <p:cNvPr id="2" name="Image 1"/>
+          <p:cNvPicPr>
+            <a:picLocks noChangeAspect="1"/>
+          </p:cNvPicPr>
+          <p:nvPr/>
+        </p:nvPicPr>
+        <p:blipFill>
+          <a:blip r:embed="rId2"/>
+          <a:stretch>
+            <a:fillRect/>
+          </a:stretch>
+        </p:blipFill>
+        <p:spPr>
+          <a:xfrm>
+            <a:off x="2094941" y="432969"/>
+            <a:ext cx="8002117" cy="5992061"/>
+          </a:xfrm>
+          <a:prstGeom prst="rect">
+            <a:avLst/>
+          </a:prstGeom>
+        </p:spPr>
+      </p:pic>
+    </p:spTree>
+    <p:extLst>
+      <p:ext uri="{BB962C8B-B14F-4D97-AF65-F5344CB8AC3E}">
+        <p14:creationId xmlns:p14="http://schemas.microsoft.com/office/powerpoint/2010/main" val="3503099151"/>
+      </p:ext>
+    </p:extLst>
+  </p:cSld>
+  <p:clrMapOvr>
+    <a:masterClrMapping/>
+  </p:clrMapOvr>
+</p:sld>
+</file>
+
+<file path=ppt/slides/slide8.xml><?xml version="1.0" encoding="utf-8"?>
+<p:sld xmlns:a="http://schemas.openxmlformats.org/drawingml/2006/main" xmlns:r="http://schemas.openxmlformats.org/officeDocument/2006/relationships" xmlns:p="http://schemas.openxmlformats.org/presentationml/2006/main">
+  <p:cSld>
+    <p:spTree>
+      <p:nvGrpSpPr>
+        <p:cNvPr id="1" name=""/>
+        <p:cNvGrpSpPr/>
+        <p:nvPr/>
+      </p:nvGrpSpPr>
+      <p:grpSpPr>
+        <a:xfrm>
+          <a:off x="0" y="0"/>
+          <a:ext cx="0" cy="0"/>
+          <a:chOff x="0" y="0"/>
+          <a:chExt cx="0" cy="0"/>
+        </a:xfrm>
+      </p:grpSpPr>
+      <p:pic>
+        <p:nvPicPr>
+          <p:cNvPr id="4" name="Image 3"/>
+          <p:cNvPicPr>
+            <a:picLocks noChangeAspect="1"/>
+          </p:cNvPicPr>
+          <p:nvPr/>
+        </p:nvPicPr>
+        <p:blipFill>
+          <a:blip r:embed="rId2"/>
+          <a:stretch>
+            <a:fillRect/>
+          </a:stretch>
+        </p:blipFill>
+        <p:spPr>
+          <a:xfrm>
+            <a:off x="1054629" y="2458023"/>
+            <a:ext cx="2819794" cy="1276528"/>
+          </a:xfrm>
+          <a:prstGeom prst="rect">
+            <a:avLst/>
+          </a:prstGeom>
+        </p:spPr>
+      </p:pic>
+      <p:pic>
+        <p:nvPicPr>
+          <p:cNvPr id="5" name="Image 4"/>
+          <p:cNvPicPr>
+            <a:picLocks noChangeAspect="1"/>
+          </p:cNvPicPr>
+          <p:nvPr/>
+        </p:nvPicPr>
+        <p:blipFill>
+          <a:blip r:embed="rId3"/>
+          <a:stretch>
+            <a:fillRect/>
+          </a:stretch>
+        </p:blipFill>
+        <p:spPr>
+          <a:xfrm>
+            <a:off x="7772400" y="997428"/>
+            <a:ext cx="4251397" cy="4197718"/>
+          </a:xfrm>
+          <a:prstGeom prst="rect">
+            <a:avLst/>
+          </a:prstGeom>
+        </p:spPr>
+      </p:pic>
+    </p:spTree>
+    <p:extLst>
+      <p:ext uri="{BB962C8B-B14F-4D97-AF65-F5344CB8AC3E}">
+        <p14:creationId xmlns:p14="http://schemas.microsoft.com/office/powerpoint/2010/main" val="2322773214"/>
+      </p:ext>
+    </p:extLst>
+  </p:cSld>
+  <p:clrMapOvr>
+    <a:masterClrMapping/>
+  </p:clrMapOvr>
+</p:sld>
+</file>
+
+<file path=ppt/slides/slide9.xml><?xml version="1.0" encoding="utf-8"?>
+<p:sld xmlns:a="http://schemas.openxmlformats.org/drawingml/2006/main" xmlns:r="http://schemas.openxmlformats.org/officeDocument/2006/relationships" xmlns:p="http://schemas.openxmlformats.org/presentationml/2006/main">
+  <p:cSld>
+    <p:spTree>
+      <p:nvGrpSpPr>
+        <p:cNvPr id="1" name=""/>
+        <p:cNvGrpSpPr/>
+        <p:nvPr/>
+      </p:nvGrpSpPr>
+      <p:grpSpPr>
+        <a:xfrm>
+          <a:off x="0" y="0"/>
+          <a:ext cx="0" cy="0"/>
+          <a:chOff x="0" y="0"/>
+          <a:chExt cx="0" cy="0"/>
+        </a:xfrm>
+      </p:grpSpPr>
+      <p:pic>
+        <p:nvPicPr>
+          <p:cNvPr id="5" name="Image 4"/>
+          <p:cNvPicPr>
+            <a:picLocks noChangeAspect="1"/>
+          </p:cNvPicPr>
+          <p:nvPr/>
+        </p:nvPicPr>
+        <p:blipFill>
+          <a:blip r:embed="rId2"/>
+          <a:stretch>
+            <a:fillRect/>
+          </a:stretch>
+        </p:blipFill>
+        <p:spPr>
+          <a:xfrm>
+            <a:off x="3488041" y="1001487"/>
+            <a:ext cx="5215918" cy="4855026"/>
+          </a:xfrm>
+          <a:prstGeom prst="rect">
+            <a:avLst/>
+          </a:prstGeom>
+        </p:spPr>
+      </p:pic>
+      <p:sp>
+        <p:nvSpPr>
+          <p:cNvPr id="6" name="Flèche à quatre pointes 5"/>
+          <p:cNvSpPr/>
+          <p:nvPr/>
+        </p:nvSpPr>
+        <p:spPr>
+          <a:xfrm>
+            <a:off x="5381625" y="1704975"/>
+            <a:ext cx="571500" cy="571500"/>
+          </a:xfrm>
+          <a:prstGeom prst="quadArrow">
+            <a:avLst>
+              <a:gd name="adj1" fmla="val 19167"/>
+              <a:gd name="adj2" fmla="val 17500"/>
+              <a:gd name="adj3" fmla="val 20833"/>
+            </a:avLst>
+          </a:prstGeom>
+          <a:noFill/>
+          <a:ln w="38100">
+            <a:solidFill>
+              <a:srgbClr val="FF0000"/>
+            </a:solidFill>
+          </a:ln>
+        </p:spPr>
+        <p:style>
+          <a:lnRef idx="2">
+            <a:schemeClr val="accent1">
+              <a:shade val="50000"/>
+            </a:schemeClr>
+          </a:lnRef>
+          <a:fillRef idx="1">
+            <a:schemeClr val="accent1"/>
+          </a:fillRef>
+          <a:effectRef idx="0">
+            <a:schemeClr val="accent1"/>
+          </a:effectRef>
+          <a:fontRef idx="minor">
+            <a:schemeClr val="lt1"/>
+          </a:fontRef>
+        </p:style>
+        <p:txBody>
+          <a:bodyPr rtlCol="0" anchor="ctr"/>
+          <a:lstStyle/>
+          <a:p>
+            <a:pPr algn="ctr"/>
+            <a:endParaRPr lang="fr-FR"/>
+          </a:p>
+        </p:txBody>
+      </p:sp>
+      <p:sp>
+        <p:nvSpPr>
+          <p:cNvPr id="7" name="Flèche à quatre pointes 6"/>
+          <p:cNvSpPr/>
+          <p:nvPr/>
+        </p:nvSpPr>
+        <p:spPr>
+          <a:xfrm>
+            <a:off x="5984875" y="3082925"/>
+            <a:ext cx="571500" cy="571500"/>
+          </a:xfrm>
+          <a:prstGeom prst="quadArrow">
+            <a:avLst>
+              <a:gd name="adj1" fmla="val 19167"/>
+              <a:gd name="adj2" fmla="val 17500"/>
+              <a:gd name="adj3" fmla="val 20833"/>
+            </a:avLst>
+          </a:prstGeom>
+          <a:noFill/>
+          <a:ln w="38100">
+            <a:solidFill>
+              <a:srgbClr val="00B050"/>
+            </a:solidFill>
+          </a:ln>
+        </p:spPr>
+        <p:style>
+          <a:lnRef idx="2">
+            <a:schemeClr val="accent1">
+              <a:shade val="50000"/>
+            </a:schemeClr>
+          </a:lnRef>
+          <a:fillRef idx="1">
+            <a:schemeClr val="accent1"/>
+          </a:fillRef>
+          <a:effectRef idx="0">
+            <a:schemeClr val="accent1"/>
+          </a:effectRef>
+          <a:fontRef idx="minor">
+            <a:schemeClr val="lt1"/>
+          </a:fontRef>
+        </p:style>
+        <p:txBody>
+          <a:bodyPr rtlCol="0" anchor="ctr"/>
+          <a:lstStyle/>
+          <a:p>
+            <a:pPr algn="ctr"/>
+            <a:endParaRPr lang="fr-FR"/>
+          </a:p>
+        </p:txBody>
+      </p:sp>
+      <p:sp>
+        <p:nvSpPr>
+          <p:cNvPr id="8" name="Ellipse 7"/>
+          <p:cNvSpPr/>
+          <p:nvPr/>
+        </p:nvSpPr>
+        <p:spPr>
+          <a:xfrm>
+            <a:off x="5280025" y="1704975"/>
+            <a:ext cx="203200" cy="203200"/>
+          </a:xfrm>
+          <a:prstGeom prst="ellipse">
+            <a:avLst/>
+          </a:prstGeom>
+          <a:solidFill>
+            <a:schemeClr val="bg1"/>
+          </a:solidFill>
+          <a:ln w="28575">
+            <a:solidFill>
+              <a:srgbClr val="00B050"/>
+            </a:solidFill>
+          </a:ln>
+        </p:spPr>
+        <p:style>
+          <a:lnRef idx="2">
+            <a:schemeClr val="accent1">
+              <a:shade val="50000"/>
+            </a:schemeClr>
+          </a:lnRef>
+          <a:fillRef idx="1">
+            <a:schemeClr val="accent1"/>
+          </a:fillRef>
+          <a:effectRef idx="0">
+            <a:schemeClr val="accent1"/>
+          </a:effectRef>
+          <a:fontRef idx="minor">
+            <a:schemeClr val="lt1"/>
+          </a:fontRef>
+        </p:style>
+        <p:txBody>
+          <a:bodyPr lIns="0" tIns="0" rIns="0" bIns="0" rtlCol="0" anchor="ctr"/>
+          <a:lstStyle/>
+          <a:p>
+            <a:pPr algn="ctr"/>
+            <a:r>
+              <a:rPr lang="fr-FR" sz="1200" b="1" dirty="0" smtClean="0">
+                <a:solidFill>
+                  <a:srgbClr val="00B050"/>
+                </a:solidFill>
+              </a:rPr>
+              <a:t>3</a:t>
+            </a:r>
+            <a:endParaRPr lang="fr-FR" sz="1200" b="1" dirty="0">
+              <a:solidFill>
+                <a:srgbClr val="00B050"/>
+              </a:solidFill>
+            </a:endParaRPr>
+          </a:p>
+        </p:txBody>
+      </p:sp>
+      <p:sp>
+        <p:nvSpPr>
+          <p:cNvPr id="13" name="Ellipse 12"/>
+          <p:cNvSpPr/>
+          <p:nvPr/>
+        </p:nvSpPr>
+        <p:spPr>
+          <a:xfrm>
+            <a:off x="6521450" y="3095625"/>
+            <a:ext cx="203200" cy="203200"/>
+          </a:xfrm>
+          <a:prstGeom prst="ellipse">
+            <a:avLst/>
+          </a:prstGeom>
+          <a:solidFill>
+            <a:schemeClr val="bg1"/>
+          </a:solidFill>
+          <a:ln w="28575">
+            <a:solidFill>
+              <a:srgbClr val="00B050"/>
+            </a:solidFill>
+          </a:ln>
+        </p:spPr>
+        <p:style>
+          <a:lnRef idx="2">
+            <a:schemeClr val="accent1">
+              <a:shade val="50000"/>
+            </a:schemeClr>
+          </a:lnRef>
+          <a:fillRef idx="1">
+            <a:schemeClr val="accent1"/>
+          </a:fillRef>
+          <a:effectRef idx="0">
+            <a:schemeClr val="accent1"/>
+          </a:effectRef>
+          <a:fontRef idx="minor">
+            <a:schemeClr val="lt1"/>
+          </a:fontRef>
+        </p:style>
+        <p:txBody>
+          <a:bodyPr lIns="0" tIns="0" rIns="0" bIns="0" rtlCol="0" anchor="ctr"/>
+          <a:lstStyle/>
+          <a:p>
+            <a:pPr algn="ctr"/>
+            <a:r>
+              <a:rPr lang="fr-FR" sz="1200" b="1" dirty="0" smtClean="0">
+                <a:solidFill>
+                  <a:srgbClr val="00B050"/>
+                </a:solidFill>
+              </a:rPr>
+              <a:t>3</a:t>
+            </a:r>
+            <a:endParaRPr lang="fr-FR" sz="1200" b="1" dirty="0">
+              <a:solidFill>
+                <a:srgbClr val="00B050"/>
+              </a:solidFill>
+            </a:endParaRPr>
+          </a:p>
+        </p:txBody>
+      </p:sp>
+      <p:sp>
+        <p:nvSpPr>
+          <p:cNvPr id="14" name="Rectangle 13"/>
+          <p:cNvSpPr/>
+          <p:nvPr/>
+        </p:nvSpPr>
+        <p:spPr>
+          <a:xfrm>
+            <a:off x="3693794" y="5501321"/>
+            <a:ext cx="3754756" cy="299403"/>
+          </a:xfrm>
+          <a:prstGeom prst="rect">
+            <a:avLst/>
+          </a:prstGeom>
+          <a:noFill/>
+          <a:ln w="19050">
+            <a:solidFill>
+              <a:srgbClr val="00B050"/>
+            </a:solidFill>
+            <a:prstDash val="sysDash"/>
+          </a:ln>
+        </p:spPr>
+        <p:style>
+          <a:lnRef idx="2">
+            <a:schemeClr val="accent1">
+              <a:shade val="50000"/>
+            </a:schemeClr>
+          </a:lnRef>
+          <a:fillRef idx="1">
+            <a:schemeClr val="accent1"/>
+          </a:fillRef>
+          <a:effectRef idx="0">
+            <a:schemeClr val="accent1"/>
+          </a:effectRef>
+          <a:fontRef idx="minor">
+            <a:schemeClr val="lt1"/>
+          </a:fontRef>
+        </p:style>
+        <p:txBody>
+          <a:bodyPr rtlCol="0" anchor="ctr"/>
+          <a:lstStyle/>
+          <a:p>
+            <a:pPr algn="ctr"/>
+            <a:endParaRPr lang="fr-FR"/>
+          </a:p>
+        </p:txBody>
+      </p:sp>
+      <p:sp>
+        <p:nvSpPr>
+          <p:cNvPr id="15" name="Ellipse 14"/>
+          <p:cNvSpPr/>
+          <p:nvPr/>
+        </p:nvSpPr>
+        <p:spPr>
+          <a:xfrm>
+            <a:off x="3386441" y="5501321"/>
+            <a:ext cx="203200" cy="203200"/>
+          </a:xfrm>
+          <a:prstGeom prst="ellipse">
+            <a:avLst/>
+          </a:prstGeom>
+          <a:solidFill>
+            <a:schemeClr val="bg1"/>
+          </a:solidFill>
+          <a:ln w="28575">
+            <a:solidFill>
+              <a:srgbClr val="00B050"/>
+            </a:solidFill>
+          </a:ln>
+        </p:spPr>
+        <p:style>
+          <a:lnRef idx="2">
+            <a:schemeClr val="accent1">
+              <a:shade val="50000"/>
+            </a:schemeClr>
+          </a:lnRef>
+          <a:fillRef idx="1">
+            <a:schemeClr val="accent1"/>
+          </a:fillRef>
+          <a:effectRef idx="0">
+            <a:schemeClr val="accent1"/>
+          </a:effectRef>
+          <a:fontRef idx="minor">
+            <a:schemeClr val="lt1"/>
+          </a:fontRef>
+        </p:style>
+        <p:txBody>
+          <a:bodyPr lIns="0" tIns="0" rIns="0" bIns="0" rtlCol="0" anchor="ctr"/>
+          <a:lstStyle/>
+          <a:p>
+            <a:pPr algn="ctr"/>
+            <a:r>
+              <a:rPr lang="fr-FR" sz="1200" b="1" dirty="0" smtClean="0">
+                <a:solidFill>
+                  <a:srgbClr val="00B050"/>
+                </a:solidFill>
+              </a:rPr>
+              <a:t>4</a:t>
+            </a:r>
+            <a:endParaRPr lang="fr-FR" sz="1200" b="1" dirty="0">
+              <a:solidFill>
+                <a:srgbClr val="00B050"/>
+              </a:solidFill>
+            </a:endParaRPr>
+          </a:p>
+        </p:txBody>
+      </p:sp>
+    </p:spTree>
+    <p:extLst>
+      <p:ext uri="{BB962C8B-B14F-4D97-AF65-F5344CB8AC3E}">
+        <p14:creationId xmlns:p14="http://schemas.microsoft.com/office/powerpoint/2010/main" val="146274992"/>
+      </p:ext>
+    </p:extLst>
+  </p:cSld>
+  <p:clrMapOvr>
+    <a:masterClrMapping/>
+  </p:clrMapOvr>
+</p:sld>
+</file>
+
 <file path=ppt/theme/theme1.xml><?xml version="1.0" encoding="utf-8"?>
 <a:theme xmlns:a="http://schemas.openxmlformats.org/drawingml/2006/main" name="Thème Office">
   <a:themeElements>

--- a/02_BrasBeta/Captures/Figures.pptx
+++ b/02_BrasBeta/Captures/Figures.pptx
@@ -162,10 +162,9 @@
           </a:lstStyle>
           <a:p>
             <a:r>
-              <a:rPr lang="fr-FR" smtClean="0"/>
+              <a:rPr lang="fr-FR"/>
               <a:t>Modifiez le style du titre</a:t>
             </a:r>
-            <a:endParaRPr lang="fr-FR"/>
           </a:p>
         </p:txBody>
       </p:sp>
@@ -227,10 +226,9 @@
           </a:lstStyle>
           <a:p>
             <a:r>
-              <a:rPr lang="fr-FR" smtClean="0"/>
+              <a:rPr lang="fr-FR"/>
               <a:t>Modifier le style des sous-titres du masque</a:t>
             </a:r>
-            <a:endParaRPr lang="fr-FR"/>
           </a:p>
         </p:txBody>
       </p:sp>
@@ -251,7 +249,7 @@
           <a:p>
             <a:fld id="{F9525C84-83A3-4BA4-A1C9-457FD259AAD1}" type="datetimeFigureOut">
               <a:rPr lang="fr-FR" smtClean="0"/>
-              <a:t>06/04/2023</a:t>
+              <a:t>07/04/2023</a:t>
             </a:fld>
             <a:endParaRPr lang="fr-FR"/>
           </a:p>
@@ -345,10 +343,9 @@
           <a:lstStyle/>
           <a:p>
             <a:r>
-              <a:rPr lang="fr-FR" smtClean="0"/>
+              <a:rPr lang="fr-FR"/>
               <a:t>Modifiez le style du titre</a:t>
             </a:r>
-            <a:endParaRPr lang="fr-FR"/>
           </a:p>
         </p:txBody>
       </p:sp>
@@ -369,38 +366,37 @@
           <a:p>
             <a:pPr lvl="0"/>
             <a:r>
-              <a:rPr lang="fr-FR" smtClean="0"/>
+              <a:rPr lang="fr-FR"/>
               <a:t>Modifier les styles du texte du masque</a:t>
             </a:r>
           </a:p>
           <a:p>
             <a:pPr lvl="1"/>
             <a:r>
-              <a:rPr lang="fr-FR" smtClean="0"/>
+              <a:rPr lang="fr-FR"/>
               <a:t>Deuxième niveau</a:t>
             </a:r>
           </a:p>
           <a:p>
             <a:pPr lvl="2"/>
             <a:r>
-              <a:rPr lang="fr-FR" smtClean="0"/>
+              <a:rPr lang="fr-FR"/>
               <a:t>Troisième niveau</a:t>
             </a:r>
           </a:p>
           <a:p>
             <a:pPr lvl="3"/>
             <a:r>
-              <a:rPr lang="fr-FR" smtClean="0"/>
+              <a:rPr lang="fr-FR"/>
               <a:t>Quatrième niveau</a:t>
             </a:r>
           </a:p>
           <a:p>
             <a:pPr lvl="4"/>
             <a:r>
-              <a:rPr lang="fr-FR" smtClean="0"/>
+              <a:rPr lang="fr-FR"/>
               <a:t>Cinquième niveau</a:t>
             </a:r>
-            <a:endParaRPr lang="fr-FR"/>
           </a:p>
         </p:txBody>
       </p:sp>
@@ -421,7 +417,7 @@
           <a:p>
             <a:fld id="{F9525C84-83A3-4BA4-A1C9-457FD259AAD1}" type="datetimeFigureOut">
               <a:rPr lang="fr-FR" smtClean="0"/>
-              <a:t>06/04/2023</a:t>
+              <a:t>07/04/2023</a:t>
             </a:fld>
             <a:endParaRPr lang="fr-FR"/>
           </a:p>
@@ -520,10 +516,9 @@
           <a:lstStyle/>
           <a:p>
             <a:r>
-              <a:rPr lang="fr-FR" smtClean="0"/>
+              <a:rPr lang="fr-FR"/>
               <a:t>Modifiez le style du titre</a:t>
             </a:r>
-            <a:endParaRPr lang="fr-FR"/>
           </a:p>
         </p:txBody>
       </p:sp>
@@ -549,38 +544,37 @@
           <a:p>
             <a:pPr lvl="0"/>
             <a:r>
-              <a:rPr lang="fr-FR" smtClean="0"/>
+              <a:rPr lang="fr-FR"/>
               <a:t>Modifier les styles du texte du masque</a:t>
             </a:r>
           </a:p>
           <a:p>
             <a:pPr lvl="1"/>
             <a:r>
-              <a:rPr lang="fr-FR" smtClean="0"/>
+              <a:rPr lang="fr-FR"/>
               <a:t>Deuxième niveau</a:t>
             </a:r>
           </a:p>
           <a:p>
             <a:pPr lvl="2"/>
             <a:r>
-              <a:rPr lang="fr-FR" smtClean="0"/>
+              <a:rPr lang="fr-FR"/>
               <a:t>Troisième niveau</a:t>
             </a:r>
           </a:p>
           <a:p>
             <a:pPr lvl="3"/>
             <a:r>
-              <a:rPr lang="fr-FR" smtClean="0"/>
+              <a:rPr lang="fr-FR"/>
               <a:t>Quatrième niveau</a:t>
             </a:r>
           </a:p>
           <a:p>
             <a:pPr lvl="4"/>
             <a:r>
-              <a:rPr lang="fr-FR" smtClean="0"/>
+              <a:rPr lang="fr-FR"/>
               <a:t>Cinquième niveau</a:t>
             </a:r>
-            <a:endParaRPr lang="fr-FR"/>
           </a:p>
         </p:txBody>
       </p:sp>
@@ -601,7 +595,7 @@
           <a:p>
             <a:fld id="{F9525C84-83A3-4BA4-A1C9-457FD259AAD1}" type="datetimeFigureOut">
               <a:rPr lang="fr-FR" smtClean="0"/>
-              <a:t>06/04/2023</a:t>
+              <a:t>07/04/2023</a:t>
             </a:fld>
             <a:endParaRPr lang="fr-FR"/>
           </a:p>
@@ -695,10 +689,9 @@
           <a:lstStyle/>
           <a:p>
             <a:r>
-              <a:rPr lang="fr-FR" smtClean="0"/>
+              <a:rPr lang="fr-FR"/>
               <a:t>Modifiez le style du titre</a:t>
             </a:r>
-            <a:endParaRPr lang="fr-FR"/>
           </a:p>
         </p:txBody>
       </p:sp>
@@ -719,38 +712,37 @@
           <a:p>
             <a:pPr lvl="0"/>
             <a:r>
-              <a:rPr lang="fr-FR" smtClean="0"/>
+              <a:rPr lang="fr-FR"/>
               <a:t>Modifier les styles du texte du masque</a:t>
             </a:r>
           </a:p>
           <a:p>
             <a:pPr lvl="1"/>
             <a:r>
-              <a:rPr lang="fr-FR" smtClean="0"/>
+              <a:rPr lang="fr-FR"/>
               <a:t>Deuxième niveau</a:t>
             </a:r>
           </a:p>
           <a:p>
             <a:pPr lvl="2"/>
             <a:r>
-              <a:rPr lang="fr-FR" smtClean="0"/>
+              <a:rPr lang="fr-FR"/>
               <a:t>Troisième niveau</a:t>
             </a:r>
           </a:p>
           <a:p>
             <a:pPr lvl="3"/>
             <a:r>
-              <a:rPr lang="fr-FR" smtClean="0"/>
+              <a:rPr lang="fr-FR"/>
               <a:t>Quatrième niveau</a:t>
             </a:r>
           </a:p>
           <a:p>
             <a:pPr lvl="4"/>
             <a:r>
-              <a:rPr lang="fr-FR" smtClean="0"/>
+              <a:rPr lang="fr-FR"/>
               <a:t>Cinquième niveau</a:t>
             </a:r>
-            <a:endParaRPr lang="fr-FR"/>
           </a:p>
         </p:txBody>
       </p:sp>
@@ -771,7 +763,7 @@
           <a:p>
             <a:fld id="{F9525C84-83A3-4BA4-A1C9-457FD259AAD1}" type="datetimeFigureOut">
               <a:rPr lang="fr-FR" smtClean="0"/>
-              <a:t>06/04/2023</a:t>
+              <a:t>07/04/2023</a:t>
             </a:fld>
             <a:endParaRPr lang="fr-FR"/>
           </a:p>
@@ -874,10 +866,9 @@
           </a:lstStyle>
           <a:p>
             <a:r>
-              <a:rPr lang="fr-FR" smtClean="0"/>
+              <a:rPr lang="fr-FR"/>
               <a:t>Modifiez le style du titre</a:t>
             </a:r>
-            <a:endParaRPr lang="fr-FR"/>
           </a:p>
         </p:txBody>
       </p:sp>
@@ -994,7 +985,7 @@
           <a:p>
             <a:pPr lvl="0"/>
             <a:r>
-              <a:rPr lang="fr-FR" smtClean="0"/>
+              <a:rPr lang="fr-FR"/>
               <a:t>Modifier les styles du texte du masque</a:t>
             </a:r>
           </a:p>
@@ -1017,7 +1008,7 @@
           <a:p>
             <a:fld id="{F9525C84-83A3-4BA4-A1C9-457FD259AAD1}" type="datetimeFigureOut">
               <a:rPr lang="fr-FR" smtClean="0"/>
-              <a:t>06/04/2023</a:t>
+              <a:t>07/04/2023</a:t>
             </a:fld>
             <a:endParaRPr lang="fr-FR"/>
           </a:p>
@@ -1111,10 +1102,9 @@
           <a:lstStyle/>
           <a:p>
             <a:r>
-              <a:rPr lang="fr-FR" smtClean="0"/>
+              <a:rPr lang="fr-FR"/>
               <a:t>Modifiez le style du titre</a:t>
             </a:r>
-            <a:endParaRPr lang="fr-FR"/>
           </a:p>
         </p:txBody>
       </p:sp>
@@ -1140,38 +1130,37 @@
           <a:p>
             <a:pPr lvl="0"/>
             <a:r>
-              <a:rPr lang="fr-FR" smtClean="0"/>
+              <a:rPr lang="fr-FR"/>
               <a:t>Modifier les styles du texte du masque</a:t>
             </a:r>
           </a:p>
           <a:p>
             <a:pPr lvl="1"/>
             <a:r>
-              <a:rPr lang="fr-FR" smtClean="0"/>
+              <a:rPr lang="fr-FR"/>
               <a:t>Deuxième niveau</a:t>
             </a:r>
           </a:p>
           <a:p>
             <a:pPr lvl="2"/>
             <a:r>
-              <a:rPr lang="fr-FR" smtClean="0"/>
+              <a:rPr lang="fr-FR"/>
               <a:t>Troisième niveau</a:t>
             </a:r>
           </a:p>
           <a:p>
             <a:pPr lvl="3"/>
             <a:r>
-              <a:rPr lang="fr-FR" smtClean="0"/>
+              <a:rPr lang="fr-FR"/>
               <a:t>Quatrième niveau</a:t>
             </a:r>
           </a:p>
           <a:p>
             <a:pPr lvl="4"/>
             <a:r>
-              <a:rPr lang="fr-FR" smtClean="0"/>
+              <a:rPr lang="fr-FR"/>
               <a:t>Cinquième niveau</a:t>
             </a:r>
-            <a:endParaRPr lang="fr-FR"/>
           </a:p>
         </p:txBody>
       </p:sp>
@@ -1197,38 +1186,37 @@
           <a:p>
             <a:pPr lvl="0"/>
             <a:r>
-              <a:rPr lang="fr-FR" smtClean="0"/>
+              <a:rPr lang="fr-FR"/>
               <a:t>Modifier les styles du texte du masque</a:t>
             </a:r>
           </a:p>
           <a:p>
             <a:pPr lvl="1"/>
             <a:r>
-              <a:rPr lang="fr-FR" smtClean="0"/>
+              <a:rPr lang="fr-FR"/>
               <a:t>Deuxième niveau</a:t>
             </a:r>
           </a:p>
           <a:p>
             <a:pPr lvl="2"/>
             <a:r>
-              <a:rPr lang="fr-FR" smtClean="0"/>
+              <a:rPr lang="fr-FR"/>
               <a:t>Troisième niveau</a:t>
             </a:r>
           </a:p>
           <a:p>
             <a:pPr lvl="3"/>
             <a:r>
-              <a:rPr lang="fr-FR" smtClean="0"/>
+              <a:rPr lang="fr-FR"/>
               <a:t>Quatrième niveau</a:t>
             </a:r>
           </a:p>
           <a:p>
             <a:pPr lvl="4"/>
             <a:r>
-              <a:rPr lang="fr-FR" smtClean="0"/>
+              <a:rPr lang="fr-FR"/>
               <a:t>Cinquième niveau</a:t>
             </a:r>
-            <a:endParaRPr lang="fr-FR"/>
           </a:p>
         </p:txBody>
       </p:sp>
@@ -1249,7 +1237,7 @@
           <a:p>
             <a:fld id="{F9525C84-83A3-4BA4-A1C9-457FD259AAD1}" type="datetimeFigureOut">
               <a:rPr lang="fr-FR" smtClean="0"/>
-              <a:t>06/04/2023</a:t>
+              <a:t>07/04/2023</a:t>
             </a:fld>
             <a:endParaRPr lang="fr-FR"/>
           </a:p>
@@ -1348,10 +1336,9 @@
           <a:lstStyle/>
           <a:p>
             <a:r>
-              <a:rPr lang="fr-FR" smtClean="0"/>
+              <a:rPr lang="fr-FR"/>
               <a:t>Modifiez le style du titre</a:t>
             </a:r>
-            <a:endParaRPr lang="fr-FR"/>
           </a:p>
         </p:txBody>
       </p:sp>
@@ -1414,7 +1401,7 @@
           <a:p>
             <a:pPr lvl="0"/>
             <a:r>
-              <a:rPr lang="fr-FR" smtClean="0"/>
+              <a:rPr lang="fr-FR"/>
               <a:t>Modifier les styles du texte du masque</a:t>
             </a:r>
           </a:p>
@@ -1442,38 +1429,37 @@
           <a:p>
             <a:pPr lvl="0"/>
             <a:r>
-              <a:rPr lang="fr-FR" smtClean="0"/>
+              <a:rPr lang="fr-FR"/>
               <a:t>Modifier les styles du texte du masque</a:t>
             </a:r>
           </a:p>
           <a:p>
             <a:pPr lvl="1"/>
             <a:r>
-              <a:rPr lang="fr-FR" smtClean="0"/>
+              <a:rPr lang="fr-FR"/>
               <a:t>Deuxième niveau</a:t>
             </a:r>
           </a:p>
           <a:p>
             <a:pPr lvl="2"/>
             <a:r>
-              <a:rPr lang="fr-FR" smtClean="0"/>
+              <a:rPr lang="fr-FR"/>
               <a:t>Troisième niveau</a:t>
             </a:r>
           </a:p>
           <a:p>
             <a:pPr lvl="3"/>
             <a:r>
-              <a:rPr lang="fr-FR" smtClean="0"/>
+              <a:rPr lang="fr-FR"/>
               <a:t>Quatrième niveau</a:t>
             </a:r>
           </a:p>
           <a:p>
             <a:pPr lvl="4"/>
             <a:r>
-              <a:rPr lang="fr-FR" smtClean="0"/>
+              <a:rPr lang="fr-FR"/>
               <a:t>Cinquième niveau</a:t>
             </a:r>
-            <a:endParaRPr lang="fr-FR"/>
           </a:p>
         </p:txBody>
       </p:sp>
@@ -1536,7 +1522,7 @@
           <a:p>
             <a:pPr lvl="0"/>
             <a:r>
-              <a:rPr lang="fr-FR" smtClean="0"/>
+              <a:rPr lang="fr-FR"/>
               <a:t>Modifier les styles du texte du masque</a:t>
             </a:r>
           </a:p>
@@ -1564,38 +1550,37 @@
           <a:p>
             <a:pPr lvl="0"/>
             <a:r>
-              <a:rPr lang="fr-FR" smtClean="0"/>
+              <a:rPr lang="fr-FR"/>
               <a:t>Modifier les styles du texte du masque</a:t>
             </a:r>
           </a:p>
           <a:p>
             <a:pPr lvl="1"/>
             <a:r>
-              <a:rPr lang="fr-FR" smtClean="0"/>
+              <a:rPr lang="fr-FR"/>
               <a:t>Deuxième niveau</a:t>
             </a:r>
           </a:p>
           <a:p>
             <a:pPr lvl="2"/>
             <a:r>
-              <a:rPr lang="fr-FR" smtClean="0"/>
+              <a:rPr lang="fr-FR"/>
               <a:t>Troisième niveau</a:t>
             </a:r>
           </a:p>
           <a:p>
             <a:pPr lvl="3"/>
             <a:r>
-              <a:rPr lang="fr-FR" smtClean="0"/>
+              <a:rPr lang="fr-FR"/>
               <a:t>Quatrième niveau</a:t>
             </a:r>
           </a:p>
           <a:p>
             <a:pPr lvl="4"/>
             <a:r>
-              <a:rPr lang="fr-FR" smtClean="0"/>
+              <a:rPr lang="fr-FR"/>
               <a:t>Cinquième niveau</a:t>
             </a:r>
-            <a:endParaRPr lang="fr-FR"/>
           </a:p>
         </p:txBody>
       </p:sp>
@@ -1616,7 +1601,7 @@
           <a:p>
             <a:fld id="{F9525C84-83A3-4BA4-A1C9-457FD259AAD1}" type="datetimeFigureOut">
               <a:rPr lang="fr-FR" smtClean="0"/>
-              <a:t>06/04/2023</a:t>
+              <a:t>07/04/2023</a:t>
             </a:fld>
             <a:endParaRPr lang="fr-FR"/>
           </a:p>
@@ -1710,10 +1695,9 @@
           <a:lstStyle/>
           <a:p>
             <a:r>
-              <a:rPr lang="fr-FR" smtClean="0"/>
+              <a:rPr lang="fr-FR"/>
               <a:t>Modifiez le style du titre</a:t>
             </a:r>
-            <a:endParaRPr lang="fr-FR"/>
           </a:p>
         </p:txBody>
       </p:sp>
@@ -1734,7 +1718,7 @@
           <a:p>
             <a:fld id="{F9525C84-83A3-4BA4-A1C9-457FD259AAD1}" type="datetimeFigureOut">
               <a:rPr lang="fr-FR" smtClean="0"/>
-              <a:t>06/04/2023</a:t>
+              <a:t>07/04/2023</a:t>
             </a:fld>
             <a:endParaRPr lang="fr-FR"/>
           </a:p>
@@ -1829,7 +1813,7 @@
           <a:p>
             <a:fld id="{F9525C84-83A3-4BA4-A1C9-457FD259AAD1}" type="datetimeFigureOut">
               <a:rPr lang="fr-FR" smtClean="0"/>
-              <a:t>06/04/2023</a:t>
+              <a:t>07/04/2023</a:t>
             </a:fld>
             <a:endParaRPr lang="fr-FR"/>
           </a:p>
@@ -1932,10 +1916,9 @@
           </a:lstStyle>
           <a:p>
             <a:r>
-              <a:rPr lang="fr-FR" smtClean="0"/>
+              <a:rPr lang="fr-FR"/>
               <a:t>Modifiez le style du titre</a:t>
             </a:r>
-            <a:endParaRPr lang="fr-FR"/>
           </a:p>
         </p:txBody>
       </p:sp>
@@ -1989,38 +1972,37 @@
           <a:p>
             <a:pPr lvl="0"/>
             <a:r>
-              <a:rPr lang="fr-FR" smtClean="0"/>
+              <a:rPr lang="fr-FR"/>
               <a:t>Modifier les styles du texte du masque</a:t>
             </a:r>
           </a:p>
           <a:p>
             <a:pPr lvl="1"/>
             <a:r>
-              <a:rPr lang="fr-FR" smtClean="0"/>
+              <a:rPr lang="fr-FR"/>
               <a:t>Deuxième niveau</a:t>
             </a:r>
           </a:p>
           <a:p>
             <a:pPr lvl="2"/>
             <a:r>
-              <a:rPr lang="fr-FR" smtClean="0"/>
+              <a:rPr lang="fr-FR"/>
               <a:t>Troisième niveau</a:t>
             </a:r>
           </a:p>
           <a:p>
             <a:pPr lvl="3"/>
             <a:r>
-              <a:rPr lang="fr-FR" smtClean="0"/>
+              <a:rPr lang="fr-FR"/>
               <a:t>Quatrième niveau</a:t>
             </a:r>
           </a:p>
           <a:p>
             <a:pPr lvl="4"/>
             <a:r>
-              <a:rPr lang="fr-FR" smtClean="0"/>
+              <a:rPr lang="fr-FR"/>
               <a:t>Cinquième niveau</a:t>
             </a:r>
-            <a:endParaRPr lang="fr-FR"/>
           </a:p>
         </p:txBody>
       </p:sp>
@@ -2083,7 +2065,7 @@
           <a:p>
             <a:pPr lvl="0"/>
             <a:r>
-              <a:rPr lang="fr-FR" smtClean="0"/>
+              <a:rPr lang="fr-FR"/>
               <a:t>Modifier les styles du texte du masque</a:t>
             </a:r>
           </a:p>
@@ -2106,7 +2088,7 @@
           <a:p>
             <a:fld id="{F9525C84-83A3-4BA4-A1C9-457FD259AAD1}" type="datetimeFigureOut">
               <a:rPr lang="fr-FR" smtClean="0"/>
-              <a:t>06/04/2023</a:t>
+              <a:t>07/04/2023</a:t>
             </a:fld>
             <a:endParaRPr lang="fr-FR"/>
           </a:p>
@@ -2209,10 +2191,9 @@
           </a:lstStyle>
           <a:p>
             <a:r>
-              <a:rPr lang="fr-FR" smtClean="0"/>
+              <a:rPr lang="fr-FR"/>
               <a:t>Modifiez le style du titre</a:t>
             </a:r>
-            <a:endParaRPr lang="fr-FR"/>
           </a:p>
         </p:txBody>
       </p:sp>
@@ -2336,7 +2317,7 @@
           <a:p>
             <a:pPr lvl="0"/>
             <a:r>
-              <a:rPr lang="fr-FR" smtClean="0"/>
+              <a:rPr lang="fr-FR"/>
               <a:t>Modifier les styles du texte du masque</a:t>
             </a:r>
           </a:p>
@@ -2359,7 +2340,7 @@
           <a:p>
             <a:fld id="{F9525C84-83A3-4BA4-A1C9-457FD259AAD1}" type="datetimeFigureOut">
               <a:rPr lang="fr-FR" smtClean="0"/>
-              <a:t>06/04/2023</a:t>
+              <a:t>07/04/2023</a:t>
             </a:fld>
             <a:endParaRPr lang="fr-FR"/>
           </a:p>
@@ -2468,10 +2449,9 @@
           <a:lstStyle/>
           <a:p>
             <a:r>
-              <a:rPr lang="fr-FR" smtClean="0"/>
+              <a:rPr lang="fr-FR"/>
               <a:t>Modifiez le style du titre</a:t>
             </a:r>
-            <a:endParaRPr lang="fr-FR"/>
           </a:p>
         </p:txBody>
       </p:sp>
@@ -2502,38 +2482,37 @@
           <a:p>
             <a:pPr lvl="0"/>
             <a:r>
-              <a:rPr lang="fr-FR" smtClean="0"/>
+              <a:rPr lang="fr-FR"/>
               <a:t>Modifier les styles du texte du masque</a:t>
             </a:r>
           </a:p>
           <a:p>
             <a:pPr lvl="1"/>
             <a:r>
-              <a:rPr lang="fr-FR" smtClean="0"/>
+              <a:rPr lang="fr-FR"/>
               <a:t>Deuxième niveau</a:t>
             </a:r>
           </a:p>
           <a:p>
             <a:pPr lvl="2"/>
             <a:r>
-              <a:rPr lang="fr-FR" smtClean="0"/>
+              <a:rPr lang="fr-FR"/>
               <a:t>Troisième niveau</a:t>
             </a:r>
           </a:p>
           <a:p>
             <a:pPr lvl="3"/>
             <a:r>
-              <a:rPr lang="fr-FR" smtClean="0"/>
+              <a:rPr lang="fr-FR"/>
               <a:t>Quatrième niveau</a:t>
             </a:r>
           </a:p>
           <a:p>
             <a:pPr lvl="4"/>
             <a:r>
-              <a:rPr lang="fr-FR" smtClean="0"/>
+              <a:rPr lang="fr-FR"/>
               <a:t>Cinquième niveau</a:t>
             </a:r>
-            <a:endParaRPr lang="fr-FR"/>
           </a:p>
         </p:txBody>
       </p:sp>
@@ -2572,7 +2551,7 @@
           <a:p>
             <a:fld id="{F9525C84-83A3-4BA4-A1C9-457FD259AAD1}" type="datetimeFigureOut">
               <a:rPr lang="fr-FR" smtClean="0"/>
-              <a:t>06/04/2023</a:t>
+              <a:t>07/04/2023</a:t>
             </a:fld>
             <a:endParaRPr lang="fr-FR"/>
           </a:p>
@@ -3097,18 +3076,13 @@
           <a:p>
             <a:pPr algn="ctr"/>
             <a:r>
-              <a:rPr lang="fr-FR" sz="1200" b="1" dirty="0" smtClean="0">
+              <a:rPr lang="fr-FR" sz="1200" b="1" dirty="0">
                 <a:solidFill>
                   <a:srgbClr val="00B050"/>
                 </a:solidFill>
               </a:rPr>
               <a:t>1</a:t>
             </a:r>
-            <a:endParaRPr lang="fr-FR" sz="1200" b="1" dirty="0">
-              <a:solidFill>
-                <a:srgbClr val="00B050"/>
-              </a:solidFill>
-            </a:endParaRPr>
           </a:p>
         </p:txBody>
       </p:sp>
@@ -3202,18 +3176,13 @@
           <a:p>
             <a:pPr algn="ctr"/>
             <a:r>
-              <a:rPr lang="fr-FR" sz="1200" b="1" dirty="0" smtClean="0">
+              <a:rPr lang="fr-FR" sz="1200" b="1" dirty="0">
                 <a:solidFill>
                   <a:srgbClr val="00B050"/>
                 </a:solidFill>
               </a:rPr>
               <a:t>2</a:t>
             </a:r>
-            <a:endParaRPr lang="fr-FR" sz="1200" b="1" dirty="0">
-              <a:solidFill>
-                <a:srgbClr val="00B050"/>
-              </a:solidFill>
-            </a:endParaRPr>
           </a:p>
         </p:txBody>
       </p:sp>
@@ -3260,18 +3229,13 @@
           <a:p>
             <a:pPr algn="ctr"/>
             <a:r>
-              <a:rPr lang="fr-FR" sz="1200" b="1" dirty="0" smtClean="0">
+              <a:rPr lang="fr-FR" sz="1200" b="1" dirty="0">
                 <a:solidFill>
                   <a:srgbClr val="00B050"/>
                 </a:solidFill>
               </a:rPr>
               <a:t>3</a:t>
             </a:r>
-            <a:endParaRPr lang="fr-FR" sz="1200" b="1" dirty="0">
-              <a:solidFill>
-                <a:srgbClr val="00B050"/>
-              </a:solidFill>
-            </a:endParaRPr>
           </a:p>
         </p:txBody>
       </p:sp>
@@ -3318,18 +3282,13 @@
           <a:p>
             <a:pPr algn="ctr"/>
             <a:r>
-              <a:rPr lang="fr-FR" sz="1200" b="1" dirty="0" smtClean="0">
+              <a:rPr lang="fr-FR" sz="1200" b="1" dirty="0">
                 <a:solidFill>
                   <a:srgbClr val="00B050"/>
                 </a:solidFill>
               </a:rPr>
               <a:t>4</a:t>
             </a:r>
-            <a:endParaRPr lang="fr-FR" sz="1200" b="1" dirty="0">
-              <a:solidFill>
-                <a:srgbClr val="00B050"/>
-              </a:solidFill>
-            </a:endParaRPr>
           </a:p>
         </p:txBody>
       </p:sp>
@@ -4535,11 +4494,6 @@
               </a:rPr>
               <a:t>1</a:t>
             </a:r>
-            <a:endParaRPr lang="fr-FR" sz="1200" b="1" dirty="0">
-              <a:solidFill>
-                <a:srgbClr val="00B050"/>
-              </a:solidFill>
-            </a:endParaRPr>
           </a:p>
         </p:txBody>
       </p:sp>
@@ -4551,7 +4505,580 @@
         </p:nvSpPr>
         <p:spPr>
           <a:xfrm>
-            <a:off x="4195826" y="1283970"/>
+            <a:off x="3818000" y="1427480"/>
+            <a:ext cx="203200" cy="203200"/>
+          </a:xfrm>
+          <a:prstGeom prst="ellipse">
+            <a:avLst/>
+          </a:prstGeom>
+          <a:solidFill>
+            <a:schemeClr val="bg1"/>
+          </a:solidFill>
+          <a:ln w="28575">
+            <a:solidFill>
+              <a:schemeClr val="accent2"/>
+            </a:solidFill>
+          </a:ln>
+        </p:spPr>
+        <p:style>
+          <a:lnRef idx="2">
+            <a:schemeClr val="accent1">
+              <a:shade val="50000"/>
+            </a:schemeClr>
+          </a:lnRef>
+          <a:fillRef idx="1">
+            <a:schemeClr val="accent1"/>
+          </a:fillRef>
+          <a:effectRef idx="0">
+            <a:schemeClr val="accent1"/>
+          </a:effectRef>
+          <a:fontRef idx="minor">
+            <a:schemeClr val="lt1"/>
+          </a:fontRef>
+        </p:style>
+        <p:txBody>
+          <a:bodyPr lIns="0" tIns="0" rIns="0" bIns="0" rtlCol="0" anchor="ctr"/>
+          <a:lstStyle/>
+          <a:p>
+            <a:pPr algn="ctr"/>
+            <a:r>
+              <a:rPr lang="fr-FR" sz="1200" b="1" dirty="0">
+                <a:solidFill>
+                  <a:schemeClr val="accent2"/>
+                </a:solidFill>
+              </a:rPr>
+              <a:t>7</a:t>
+            </a:r>
+          </a:p>
+        </p:txBody>
+      </p:sp>
+      <p:sp>
+        <p:nvSpPr>
+          <p:cNvPr id="11" name="Rectangle 10"/>
+          <p:cNvSpPr/>
+          <p:nvPr/>
+        </p:nvSpPr>
+        <p:spPr>
+          <a:xfrm>
+            <a:off x="406401" y="1925320"/>
+            <a:ext cx="1092200" cy="203200"/>
+          </a:xfrm>
+          <a:prstGeom prst="rect">
+            <a:avLst/>
+          </a:prstGeom>
+          <a:noFill/>
+          <a:ln w="19050">
+            <a:solidFill>
+              <a:srgbClr val="7030A0"/>
+            </a:solidFill>
+            <a:prstDash val="sysDash"/>
+          </a:ln>
+        </p:spPr>
+        <p:style>
+          <a:lnRef idx="2">
+            <a:schemeClr val="accent1">
+              <a:shade val="50000"/>
+            </a:schemeClr>
+          </a:lnRef>
+          <a:fillRef idx="1">
+            <a:schemeClr val="accent1"/>
+          </a:fillRef>
+          <a:effectRef idx="0">
+            <a:schemeClr val="accent1"/>
+          </a:effectRef>
+          <a:fontRef idx="minor">
+            <a:schemeClr val="lt1"/>
+          </a:fontRef>
+        </p:style>
+        <p:txBody>
+          <a:bodyPr rtlCol="0" anchor="ctr"/>
+          <a:lstStyle/>
+          <a:p>
+            <a:pPr algn="ctr"/>
+            <a:endParaRPr lang="fr-FR"/>
+          </a:p>
+        </p:txBody>
+      </p:sp>
+      <p:sp>
+        <p:nvSpPr>
+          <p:cNvPr id="12" name="Ellipse 11"/>
+          <p:cNvSpPr/>
+          <p:nvPr/>
+        </p:nvSpPr>
+        <p:spPr>
+          <a:xfrm>
+            <a:off x="101600" y="1925320"/>
+            <a:ext cx="203200" cy="203200"/>
+          </a:xfrm>
+          <a:prstGeom prst="ellipse">
+            <a:avLst/>
+          </a:prstGeom>
+          <a:solidFill>
+            <a:schemeClr val="bg1"/>
+          </a:solidFill>
+          <a:ln w="28575">
+            <a:solidFill>
+              <a:srgbClr val="7030A0"/>
+            </a:solidFill>
+          </a:ln>
+        </p:spPr>
+        <p:style>
+          <a:lnRef idx="2">
+            <a:schemeClr val="accent1">
+              <a:shade val="50000"/>
+            </a:schemeClr>
+          </a:lnRef>
+          <a:fillRef idx="1">
+            <a:schemeClr val="accent1"/>
+          </a:fillRef>
+          <a:effectRef idx="0">
+            <a:schemeClr val="accent1"/>
+          </a:effectRef>
+          <a:fontRef idx="minor">
+            <a:schemeClr val="lt1"/>
+          </a:fontRef>
+        </p:style>
+        <p:txBody>
+          <a:bodyPr lIns="0" tIns="0" rIns="0" bIns="0" rtlCol="0" anchor="ctr"/>
+          <a:lstStyle/>
+          <a:p>
+            <a:pPr algn="ctr"/>
+            <a:r>
+              <a:rPr lang="fr-FR" sz="1200" b="1" dirty="0">
+                <a:solidFill>
+                  <a:srgbClr val="7030A0"/>
+                </a:solidFill>
+              </a:rPr>
+              <a:t>2</a:t>
+            </a:r>
+          </a:p>
+        </p:txBody>
+      </p:sp>
+      <p:pic>
+        <p:nvPicPr>
+          <p:cNvPr id="17" name="Image 16">
+            <a:extLst>
+              <a:ext uri="{FF2B5EF4-FFF2-40B4-BE49-F238E27FC236}">
+                <a16:creationId xmlns:a16="http://schemas.microsoft.com/office/drawing/2014/main" id="{57D65A3B-03F8-BCE8-CFF3-5E5712799000}"/>
+              </a:ext>
+            </a:extLst>
+          </p:cNvPr>
+          <p:cNvPicPr>
+            <a:picLocks noChangeAspect="1"/>
+          </p:cNvPicPr>
+          <p:nvPr/>
+        </p:nvPicPr>
+        <p:blipFill>
+          <a:blip r:embed="rId3"/>
+          <a:stretch>
+            <a:fillRect/>
+          </a:stretch>
+        </p:blipFill>
+        <p:spPr>
+          <a:xfrm>
+            <a:off x="7263706" y="266810"/>
+            <a:ext cx="2242587" cy="2034320"/>
+          </a:xfrm>
+          <a:prstGeom prst="rect">
+            <a:avLst/>
+          </a:prstGeom>
+          <a:ln w="19050">
+            <a:solidFill>
+              <a:srgbClr val="7030A0"/>
+            </a:solidFill>
+            <a:prstDash val="sysDash"/>
+          </a:ln>
+        </p:spPr>
+      </p:pic>
+      <p:cxnSp>
+        <p:nvCxnSpPr>
+          <p:cNvPr id="19" name="Connecteur droit 18">
+            <a:extLst>
+              <a:ext uri="{FF2B5EF4-FFF2-40B4-BE49-F238E27FC236}">
+                <a16:creationId xmlns:a16="http://schemas.microsoft.com/office/drawing/2014/main" id="{4AEBA469-765F-FF7E-61BC-EE11AB2C3A36}"/>
+              </a:ext>
+            </a:extLst>
+          </p:cNvPr>
+          <p:cNvCxnSpPr>
+            <a:cxnSpLocks/>
+          </p:cNvCxnSpPr>
+          <p:nvPr/>
+        </p:nvCxnSpPr>
+        <p:spPr>
+          <a:xfrm flipV="1">
+            <a:off x="1498601" y="266810"/>
+            <a:ext cx="5765105" cy="1658510"/>
+          </a:xfrm>
+          <a:prstGeom prst="line">
+            <a:avLst/>
+          </a:prstGeom>
+          <a:noFill/>
+          <a:ln w="19050">
+            <a:solidFill>
+              <a:srgbClr val="7030A0"/>
+            </a:solidFill>
+            <a:prstDash val="sysDash"/>
+          </a:ln>
+        </p:spPr>
+        <p:style>
+          <a:lnRef idx="2">
+            <a:schemeClr val="accent1">
+              <a:shade val="50000"/>
+            </a:schemeClr>
+          </a:lnRef>
+          <a:fillRef idx="1">
+            <a:schemeClr val="accent1"/>
+          </a:fillRef>
+          <a:effectRef idx="0">
+            <a:schemeClr val="accent1"/>
+          </a:effectRef>
+          <a:fontRef idx="minor">
+            <a:schemeClr val="lt1"/>
+          </a:fontRef>
+        </p:style>
+      </p:cxnSp>
+      <p:cxnSp>
+        <p:nvCxnSpPr>
+          <p:cNvPr id="20" name="Connecteur droit 19">
+            <a:extLst>
+              <a:ext uri="{FF2B5EF4-FFF2-40B4-BE49-F238E27FC236}">
+                <a16:creationId xmlns:a16="http://schemas.microsoft.com/office/drawing/2014/main" id="{44F5A86F-6BA0-3E00-2F91-A720FBB97026}"/>
+              </a:ext>
+            </a:extLst>
+          </p:cNvPr>
+          <p:cNvCxnSpPr>
+            <a:cxnSpLocks/>
+          </p:cNvCxnSpPr>
+          <p:nvPr/>
+        </p:nvCxnSpPr>
+        <p:spPr>
+          <a:xfrm>
+            <a:off x="1498600" y="2128520"/>
+            <a:ext cx="5765106" cy="172610"/>
+          </a:xfrm>
+          <a:prstGeom prst="line">
+            <a:avLst/>
+          </a:prstGeom>
+          <a:noFill/>
+          <a:ln w="19050">
+            <a:solidFill>
+              <a:srgbClr val="7030A0"/>
+            </a:solidFill>
+            <a:prstDash val="sysDash"/>
+          </a:ln>
+        </p:spPr>
+        <p:style>
+          <a:lnRef idx="2">
+            <a:schemeClr val="accent1">
+              <a:shade val="50000"/>
+            </a:schemeClr>
+          </a:lnRef>
+          <a:fillRef idx="1">
+            <a:schemeClr val="accent1"/>
+          </a:fillRef>
+          <a:effectRef idx="0">
+            <a:schemeClr val="accent1"/>
+          </a:effectRef>
+          <a:fontRef idx="minor">
+            <a:schemeClr val="lt1"/>
+          </a:fontRef>
+        </p:style>
+      </p:cxnSp>
+      <p:pic>
+        <p:nvPicPr>
+          <p:cNvPr id="23" name="Image 22">
+            <a:extLst>
+              <a:ext uri="{FF2B5EF4-FFF2-40B4-BE49-F238E27FC236}">
+                <a16:creationId xmlns:a16="http://schemas.microsoft.com/office/drawing/2014/main" id="{1250D026-9AF8-AC7B-4710-8D104B86652B}"/>
+              </a:ext>
+            </a:extLst>
+          </p:cNvPr>
+          <p:cNvPicPr>
+            <a:picLocks noChangeAspect="1"/>
+          </p:cNvPicPr>
+          <p:nvPr/>
+        </p:nvPicPr>
+        <p:blipFill>
+          <a:blip r:embed="rId4"/>
+          <a:stretch>
+            <a:fillRect/>
+          </a:stretch>
+        </p:blipFill>
+        <p:spPr>
+          <a:xfrm>
+            <a:off x="6164929" y="2563056"/>
+            <a:ext cx="5364502" cy="1955247"/>
+          </a:xfrm>
+          <a:prstGeom prst="rect">
+            <a:avLst/>
+          </a:prstGeom>
+          <a:ln w="19050">
+            <a:solidFill>
+              <a:schemeClr val="accent5"/>
+            </a:solidFill>
+            <a:prstDash val="sysDash"/>
+          </a:ln>
+        </p:spPr>
+      </p:pic>
+      <p:sp>
+        <p:nvSpPr>
+          <p:cNvPr id="24" name="Ellipse 23">
+            <a:extLst>
+              <a:ext uri="{FF2B5EF4-FFF2-40B4-BE49-F238E27FC236}">
+                <a16:creationId xmlns:a16="http://schemas.microsoft.com/office/drawing/2014/main" id="{379CF2E5-EA09-61D8-FAA2-0AD6D207C9FB}"/>
+              </a:ext>
+            </a:extLst>
+          </p:cNvPr>
+          <p:cNvSpPr/>
+          <p:nvPr/>
+        </p:nvSpPr>
+        <p:spPr>
+          <a:xfrm>
+            <a:off x="101599" y="2247900"/>
+            <a:ext cx="203200" cy="203200"/>
+          </a:xfrm>
+          <a:prstGeom prst="ellipse">
+            <a:avLst/>
+          </a:prstGeom>
+          <a:solidFill>
+            <a:schemeClr val="bg1"/>
+          </a:solidFill>
+          <a:ln w="28575">
+            <a:solidFill>
+              <a:schemeClr val="accent5"/>
+            </a:solidFill>
+          </a:ln>
+        </p:spPr>
+        <p:style>
+          <a:lnRef idx="2">
+            <a:schemeClr val="accent1">
+              <a:shade val="50000"/>
+            </a:schemeClr>
+          </a:lnRef>
+          <a:fillRef idx="1">
+            <a:schemeClr val="accent1"/>
+          </a:fillRef>
+          <a:effectRef idx="0">
+            <a:schemeClr val="accent1"/>
+          </a:effectRef>
+          <a:fontRef idx="minor">
+            <a:schemeClr val="lt1"/>
+          </a:fontRef>
+        </p:style>
+        <p:txBody>
+          <a:bodyPr lIns="0" tIns="0" rIns="0" bIns="0" rtlCol="0" anchor="ctr"/>
+          <a:lstStyle/>
+          <a:p>
+            <a:pPr algn="ctr"/>
+            <a:r>
+              <a:rPr lang="fr-FR" sz="1200" b="1" dirty="0">
+                <a:solidFill>
+                  <a:schemeClr val="accent5"/>
+                </a:solidFill>
+              </a:rPr>
+              <a:t>5</a:t>
+            </a:r>
+          </a:p>
+        </p:txBody>
+      </p:sp>
+      <p:sp>
+        <p:nvSpPr>
+          <p:cNvPr id="25" name="Rectangle 24">
+            <a:extLst>
+              <a:ext uri="{FF2B5EF4-FFF2-40B4-BE49-F238E27FC236}">
+                <a16:creationId xmlns:a16="http://schemas.microsoft.com/office/drawing/2014/main" id="{B4C08B20-4538-EA00-3DE4-A4245FB58644}"/>
+              </a:ext>
+            </a:extLst>
+          </p:cNvPr>
+          <p:cNvSpPr/>
+          <p:nvPr/>
+        </p:nvSpPr>
+        <p:spPr>
+          <a:xfrm>
+            <a:off x="425450" y="2255520"/>
+            <a:ext cx="1092200" cy="203200"/>
+          </a:xfrm>
+          <a:prstGeom prst="rect">
+            <a:avLst/>
+          </a:prstGeom>
+          <a:noFill/>
+          <a:ln w="19050">
+            <a:solidFill>
+              <a:schemeClr val="accent5"/>
+            </a:solidFill>
+            <a:prstDash val="sysDash"/>
+          </a:ln>
+        </p:spPr>
+        <p:style>
+          <a:lnRef idx="2">
+            <a:schemeClr val="accent1">
+              <a:shade val="50000"/>
+            </a:schemeClr>
+          </a:lnRef>
+          <a:fillRef idx="1">
+            <a:schemeClr val="accent1"/>
+          </a:fillRef>
+          <a:effectRef idx="0">
+            <a:schemeClr val="accent1"/>
+          </a:effectRef>
+          <a:fontRef idx="minor">
+            <a:schemeClr val="lt1"/>
+          </a:fontRef>
+        </p:style>
+        <p:txBody>
+          <a:bodyPr rtlCol="0" anchor="ctr"/>
+          <a:lstStyle/>
+          <a:p>
+            <a:pPr algn="ctr"/>
+            <a:endParaRPr lang="fr-FR"/>
+          </a:p>
+        </p:txBody>
+      </p:sp>
+      <p:cxnSp>
+        <p:nvCxnSpPr>
+          <p:cNvPr id="26" name="Connecteur droit 25">
+            <a:extLst>
+              <a:ext uri="{FF2B5EF4-FFF2-40B4-BE49-F238E27FC236}">
+                <a16:creationId xmlns:a16="http://schemas.microsoft.com/office/drawing/2014/main" id="{3E385969-7355-0EBD-A3CE-CE6EF56DB53B}"/>
+              </a:ext>
+            </a:extLst>
+          </p:cNvPr>
+          <p:cNvCxnSpPr>
+            <a:cxnSpLocks/>
+          </p:cNvCxnSpPr>
+          <p:nvPr/>
+        </p:nvCxnSpPr>
+        <p:spPr>
+          <a:xfrm>
+            <a:off x="1517650" y="2255520"/>
+            <a:ext cx="4611024" cy="307536"/>
+          </a:xfrm>
+          <a:prstGeom prst="line">
+            <a:avLst/>
+          </a:prstGeom>
+          <a:noFill/>
+          <a:ln w="19050">
+            <a:solidFill>
+              <a:schemeClr val="accent5"/>
+            </a:solidFill>
+            <a:prstDash val="sysDash"/>
+          </a:ln>
+        </p:spPr>
+        <p:style>
+          <a:lnRef idx="2">
+            <a:schemeClr val="accent1">
+              <a:shade val="50000"/>
+            </a:schemeClr>
+          </a:lnRef>
+          <a:fillRef idx="1">
+            <a:schemeClr val="accent1"/>
+          </a:fillRef>
+          <a:effectRef idx="0">
+            <a:schemeClr val="accent1"/>
+          </a:effectRef>
+          <a:fontRef idx="minor">
+            <a:schemeClr val="lt1"/>
+          </a:fontRef>
+        </p:style>
+      </p:cxnSp>
+      <p:cxnSp>
+        <p:nvCxnSpPr>
+          <p:cNvPr id="28" name="Connecteur droit 27">
+            <a:extLst>
+              <a:ext uri="{FF2B5EF4-FFF2-40B4-BE49-F238E27FC236}">
+                <a16:creationId xmlns:a16="http://schemas.microsoft.com/office/drawing/2014/main" id="{4CEBAFBC-B5B0-D896-3CD2-8B9D2391C997}"/>
+              </a:ext>
+            </a:extLst>
+          </p:cNvPr>
+          <p:cNvCxnSpPr>
+            <a:cxnSpLocks/>
+          </p:cNvCxnSpPr>
+          <p:nvPr/>
+        </p:nvCxnSpPr>
+        <p:spPr>
+          <a:xfrm>
+            <a:off x="1536700" y="2458720"/>
+            <a:ext cx="4611024" cy="2059583"/>
+          </a:xfrm>
+          <a:prstGeom prst="line">
+            <a:avLst/>
+          </a:prstGeom>
+          <a:noFill/>
+          <a:ln w="19050">
+            <a:solidFill>
+              <a:schemeClr val="accent5"/>
+            </a:solidFill>
+            <a:prstDash val="sysDash"/>
+          </a:ln>
+        </p:spPr>
+        <p:style>
+          <a:lnRef idx="2">
+            <a:schemeClr val="accent1">
+              <a:shade val="50000"/>
+            </a:schemeClr>
+          </a:lnRef>
+          <a:fillRef idx="1">
+            <a:schemeClr val="accent1"/>
+          </a:fillRef>
+          <a:effectRef idx="0">
+            <a:schemeClr val="accent1"/>
+          </a:effectRef>
+          <a:fontRef idx="minor">
+            <a:schemeClr val="lt1"/>
+          </a:fontRef>
+        </p:style>
+      </p:cxnSp>
+      <p:pic>
+        <p:nvPicPr>
+          <p:cNvPr id="34" name="Image 33">
+            <a:extLst>
+              <a:ext uri="{FF2B5EF4-FFF2-40B4-BE49-F238E27FC236}">
+                <a16:creationId xmlns:a16="http://schemas.microsoft.com/office/drawing/2014/main" id="{AB2D8785-9F1E-3E6C-259F-93A86AF3C6A1}"/>
+              </a:ext>
+            </a:extLst>
+          </p:cNvPr>
+          <p:cNvPicPr>
+            <a:picLocks noChangeAspect="1"/>
+          </p:cNvPicPr>
+          <p:nvPr/>
+        </p:nvPicPr>
+        <p:blipFill>
+          <a:blip r:embed="rId5"/>
+          <a:stretch>
+            <a:fillRect/>
+          </a:stretch>
+        </p:blipFill>
+        <p:spPr>
+          <a:xfrm>
+            <a:off x="7395923" y="4780229"/>
+            <a:ext cx="1978151" cy="1953174"/>
+          </a:xfrm>
+          <a:prstGeom prst="rect">
+            <a:avLst/>
+          </a:prstGeom>
+          <a:ln w="19050">
+            <a:solidFill>
+              <a:srgbClr val="00B050"/>
+            </a:solidFill>
+            <a:prstDash val="sysDash"/>
+          </a:ln>
+        </p:spPr>
+      </p:pic>
+      <p:sp>
+        <p:nvSpPr>
+          <p:cNvPr id="35" name="Ellipse 34">
+            <a:extLst>
+              <a:ext uri="{FF2B5EF4-FFF2-40B4-BE49-F238E27FC236}">
+                <a16:creationId xmlns:a16="http://schemas.microsoft.com/office/drawing/2014/main" id="{EEFFD799-05D4-B3F0-7B93-6F9A15585126}"/>
+              </a:ext>
+            </a:extLst>
+          </p:cNvPr>
+          <p:cNvSpPr/>
+          <p:nvPr/>
+        </p:nvSpPr>
+        <p:spPr>
+          <a:xfrm>
+            <a:off x="101599" y="2584450"/>
             <a:ext cx="203200" cy="203200"/>
           </a:xfrm>
           <a:prstGeom prst="ellipse">
@@ -4593,26 +5120,27 @@
                   <a:srgbClr val="00B050"/>
                 </a:solidFill>
               </a:rPr>
-              <a:t>1</a:t>
-            </a:r>
-            <a:endParaRPr lang="fr-FR" sz="1200" b="1" dirty="0">
-              <a:solidFill>
-                <a:srgbClr val="00B050"/>
-              </a:solidFill>
-            </a:endParaRPr>
-          </a:p>
-        </p:txBody>
-      </p:sp>
-      <p:sp>
-        <p:nvSpPr>
-          <p:cNvPr id="11" name="Rectangle 10"/>
+              <a:t>6</a:t>
+            </a:r>
+          </a:p>
+        </p:txBody>
+      </p:sp>
+      <p:sp>
+        <p:nvSpPr>
+          <p:cNvPr id="36" name="Rectangle 35">
+            <a:extLst>
+              <a:ext uri="{FF2B5EF4-FFF2-40B4-BE49-F238E27FC236}">
+                <a16:creationId xmlns:a16="http://schemas.microsoft.com/office/drawing/2014/main" id="{F11E67D8-A177-CB2E-98E0-6A973F45972F}"/>
+              </a:ext>
+            </a:extLst>
+          </p:cNvPr>
           <p:cNvSpPr/>
           <p:nvPr/>
         </p:nvSpPr>
         <p:spPr>
           <a:xfrm>
-            <a:off x="406401" y="1925320"/>
-            <a:ext cx="1092200" cy="203200"/>
+            <a:off x="425450" y="2599055"/>
+            <a:ext cx="1092200" cy="188595"/>
           </a:xfrm>
           <a:prstGeom prst="rect">
             <a:avLst/>
@@ -4620,7 +5148,7 @@
           <a:noFill/>
           <a:ln w="19050">
             <a:solidFill>
-              <a:srgbClr val="7030A0"/>
+              <a:srgbClr val="00B050"/>
             </a:solidFill>
             <a:prstDash val="sysDash"/>
           </a:ln>
@@ -4650,27 +5178,34 @@
           </a:p>
         </p:txBody>
       </p:sp>
-      <p:sp>
-        <p:nvSpPr>
-          <p:cNvPr id="12" name="Ellipse 11"/>
-          <p:cNvSpPr/>
-          <p:nvPr/>
-        </p:nvSpPr>
-        <p:spPr>
-          <a:xfrm>
-            <a:off x="101600" y="1925320"/>
-            <a:ext cx="203200" cy="203200"/>
-          </a:xfrm>
-          <a:prstGeom prst="ellipse">
-            <a:avLst/>
-          </a:prstGeom>
-          <a:solidFill>
-            <a:schemeClr val="bg1"/>
-          </a:solidFill>
-          <a:ln w="28575">
+      <p:cxnSp>
+        <p:nvCxnSpPr>
+          <p:cNvPr id="37" name="Connecteur droit 36">
+            <a:extLst>
+              <a:ext uri="{FF2B5EF4-FFF2-40B4-BE49-F238E27FC236}">
+                <a16:creationId xmlns:a16="http://schemas.microsoft.com/office/drawing/2014/main" id="{C37DE0F7-3D4E-E713-C2F4-DA0C0702B3E2}"/>
+              </a:ext>
+            </a:extLst>
+          </p:cNvPr>
+          <p:cNvCxnSpPr>
+            <a:cxnSpLocks/>
+          </p:cNvCxnSpPr>
+          <p:nvPr/>
+        </p:nvCxnSpPr>
+        <p:spPr>
+          <a:xfrm>
+            <a:off x="1517650" y="2796297"/>
+            <a:ext cx="5878273" cy="3937106"/>
+          </a:xfrm>
+          <a:prstGeom prst="line">
+            <a:avLst/>
+          </a:prstGeom>
+          <a:noFill/>
+          <a:ln w="19050">
             <a:solidFill>
               <a:srgbClr val="00B050"/>
             </a:solidFill>
+            <a:prstDash val="sysDash"/>
           </a:ln>
         </p:spPr>
         <p:style>
@@ -4689,6 +5224,152 @@
             <a:schemeClr val="lt1"/>
           </a:fontRef>
         </p:style>
+      </p:cxnSp>
+      <p:cxnSp>
+        <p:nvCxnSpPr>
+          <p:cNvPr id="41" name="Connecteur droit 40">
+            <a:extLst>
+              <a:ext uri="{FF2B5EF4-FFF2-40B4-BE49-F238E27FC236}">
+                <a16:creationId xmlns:a16="http://schemas.microsoft.com/office/drawing/2014/main" id="{87B01FBC-A6F4-6045-83ED-C81CFBE1667D}"/>
+              </a:ext>
+            </a:extLst>
+          </p:cNvPr>
+          <p:cNvCxnSpPr>
+            <a:cxnSpLocks/>
+          </p:cNvCxnSpPr>
+          <p:nvPr/>
+        </p:nvCxnSpPr>
+        <p:spPr>
+          <a:xfrm>
+            <a:off x="1526366" y="2599055"/>
+            <a:ext cx="5853259" cy="2165795"/>
+          </a:xfrm>
+          <a:prstGeom prst="line">
+            <a:avLst/>
+          </a:prstGeom>
+          <a:noFill/>
+          <a:ln w="19050">
+            <a:solidFill>
+              <a:srgbClr val="00B050"/>
+            </a:solidFill>
+            <a:prstDash val="sysDash"/>
+          </a:ln>
+        </p:spPr>
+        <p:style>
+          <a:lnRef idx="2">
+            <a:schemeClr val="accent1">
+              <a:shade val="50000"/>
+            </a:schemeClr>
+          </a:lnRef>
+          <a:fillRef idx="1">
+            <a:schemeClr val="accent1"/>
+          </a:fillRef>
+          <a:effectRef idx="0">
+            <a:schemeClr val="accent1"/>
+          </a:effectRef>
+          <a:fontRef idx="minor">
+            <a:schemeClr val="lt1"/>
+          </a:fontRef>
+        </p:style>
+      </p:cxnSp>
+      <p:sp>
+        <p:nvSpPr>
+          <p:cNvPr id="45" name="Rectangle 44">
+            <a:extLst>
+              <a:ext uri="{FF2B5EF4-FFF2-40B4-BE49-F238E27FC236}">
+                <a16:creationId xmlns:a16="http://schemas.microsoft.com/office/drawing/2014/main" id="{F3E1AEEE-65AF-B1A9-4FF4-A2B944D93040}"/>
+              </a:ext>
+            </a:extLst>
+          </p:cNvPr>
+          <p:cNvSpPr/>
+          <p:nvPr/>
+        </p:nvSpPr>
+        <p:spPr>
+          <a:xfrm>
+            <a:off x="3119120" y="1588770"/>
+            <a:ext cx="698879" cy="199500"/>
+          </a:xfrm>
+          <a:prstGeom prst="rect">
+            <a:avLst/>
+          </a:prstGeom>
+          <a:noFill/>
+          <a:ln w="19050">
+            <a:solidFill>
+              <a:schemeClr val="accent2"/>
+            </a:solidFill>
+            <a:prstDash val="sysDash"/>
+          </a:ln>
+        </p:spPr>
+        <p:style>
+          <a:lnRef idx="2">
+            <a:schemeClr val="accent1">
+              <a:shade val="50000"/>
+            </a:schemeClr>
+          </a:lnRef>
+          <a:fillRef idx="1">
+            <a:schemeClr val="accent1"/>
+          </a:fillRef>
+          <a:effectRef idx="0">
+            <a:schemeClr val="accent1"/>
+          </a:effectRef>
+          <a:fontRef idx="minor">
+            <a:schemeClr val="lt1"/>
+          </a:fontRef>
+        </p:style>
+        <p:txBody>
+          <a:bodyPr rtlCol="0" anchor="ctr"/>
+          <a:lstStyle/>
+          <a:p>
+            <a:pPr algn="ctr"/>
+            <a:endParaRPr lang="fr-FR"/>
+          </a:p>
+        </p:txBody>
+      </p:sp>
+      <p:sp>
+        <p:nvSpPr>
+          <p:cNvPr id="46" name="Ellipse 45">
+            <a:extLst>
+              <a:ext uri="{FF2B5EF4-FFF2-40B4-BE49-F238E27FC236}">
+                <a16:creationId xmlns:a16="http://schemas.microsoft.com/office/drawing/2014/main" id="{F316F494-20B8-0554-E2BC-452A0564B36B}"/>
+              </a:ext>
+            </a:extLst>
+          </p:cNvPr>
+          <p:cNvSpPr/>
+          <p:nvPr/>
+        </p:nvSpPr>
+        <p:spPr>
+          <a:xfrm>
+            <a:off x="1111250" y="6130004"/>
+            <a:ext cx="203200" cy="203200"/>
+          </a:xfrm>
+          <a:prstGeom prst="ellipse">
+            <a:avLst/>
+          </a:prstGeom>
+          <a:solidFill>
+            <a:schemeClr val="bg1"/>
+          </a:solidFill>
+          <a:ln w="28575">
+            <a:solidFill>
+              <a:schemeClr val="accent2"/>
+            </a:solidFill>
+          </a:ln>
+        </p:spPr>
+        <p:style>
+          <a:lnRef idx="2">
+            <a:schemeClr val="accent1">
+              <a:shade val="50000"/>
+            </a:schemeClr>
+          </a:lnRef>
+          <a:fillRef idx="1">
+            <a:schemeClr val="accent1"/>
+          </a:fillRef>
+          <a:effectRef idx="0">
+            <a:schemeClr val="accent1"/>
+          </a:effectRef>
+          <a:fontRef idx="minor">
+            <a:schemeClr val="lt1"/>
+          </a:fontRef>
+        </p:style>
         <p:txBody>
           <a:bodyPr lIns="0" tIns="0" rIns="0" bIns="0" rtlCol="0" anchor="ctr"/>
           <a:lstStyle/>
@@ -4697,49 +5378,284 @@
             <a:r>
               <a:rPr lang="fr-FR" sz="1200" b="1" dirty="0">
                 <a:solidFill>
-                  <a:srgbClr val="00B050"/>
+                  <a:schemeClr val="accent2"/>
                 </a:solidFill>
               </a:rPr>
-              <a:t>2</a:t>
-            </a:r>
-            <a:endParaRPr lang="fr-FR" sz="1200" b="1" dirty="0">
-              <a:solidFill>
-                <a:srgbClr val="00B050"/>
-              </a:solidFill>
-            </a:endParaRPr>
+              <a:t>7</a:t>
+            </a:r>
           </a:p>
         </p:txBody>
       </p:sp>
       <p:pic>
         <p:nvPicPr>
-          <p:cNvPr id="29" name="Image 28"/>
+          <p:cNvPr id="48" name="Image 47">
+            <a:extLst>
+              <a:ext uri="{FF2B5EF4-FFF2-40B4-BE49-F238E27FC236}">
+                <a16:creationId xmlns:a16="http://schemas.microsoft.com/office/drawing/2014/main" id="{C09DA759-79BD-F197-7B48-FE7DAC1D52B0}"/>
+              </a:ext>
+            </a:extLst>
+          </p:cNvPr>
           <p:cNvPicPr>
             <a:picLocks noChangeAspect="1"/>
           </p:cNvPicPr>
           <p:nvPr/>
         </p:nvPicPr>
         <p:blipFill>
-          <a:blip r:embed="rId3"/>
+          <a:blip r:embed="rId6" cstate="print">
+            <a:extLst>
+              <a:ext uri="{28A0092B-C50C-407E-A947-70E740481C1C}">
+                <a14:useLocalDpi xmlns:a14="http://schemas.microsoft.com/office/drawing/2010/main" val="0"/>
+              </a:ext>
+            </a:extLst>
+          </a:blip>
           <a:stretch>
             <a:fillRect/>
           </a:stretch>
         </p:blipFill>
         <p:spPr>
           <a:xfrm>
-            <a:off x="7109674" y="130483"/>
-            <a:ext cx="2767156" cy="2510173"/>
+            <a:off x="1498600" y="5558278"/>
+            <a:ext cx="3734054" cy="2836949"/>
           </a:xfrm>
           <a:prstGeom prst="rect">
             <a:avLst/>
           </a:prstGeom>
-          <a:ln w="28575">
+          <a:ln w="19050">
             <a:solidFill>
-              <a:srgbClr val="7030A0"/>
+              <a:schemeClr val="accent2"/>
             </a:solidFill>
             <a:prstDash val="sysDash"/>
           </a:ln>
         </p:spPr>
       </p:pic>
+      <p:sp>
+        <p:nvSpPr>
+          <p:cNvPr id="50" name="Rectangle 49">
+            <a:extLst>
+              <a:ext uri="{FF2B5EF4-FFF2-40B4-BE49-F238E27FC236}">
+                <a16:creationId xmlns:a16="http://schemas.microsoft.com/office/drawing/2014/main" id="{33AC6DFE-EBB7-D066-2432-C71F03B7BD23}"/>
+              </a:ext>
+            </a:extLst>
+          </p:cNvPr>
+          <p:cNvSpPr/>
+          <p:nvPr/>
+        </p:nvSpPr>
+        <p:spPr>
+          <a:xfrm>
+            <a:off x="3403599" y="7717653"/>
+            <a:ext cx="542925" cy="188595"/>
+          </a:xfrm>
+          <a:prstGeom prst="rect">
+            <a:avLst/>
+          </a:prstGeom>
+          <a:noFill/>
+          <a:ln w="19050">
+            <a:solidFill>
+              <a:schemeClr val="accent2"/>
+            </a:solidFill>
+            <a:prstDash val="sysDash"/>
+          </a:ln>
+        </p:spPr>
+        <p:style>
+          <a:lnRef idx="2">
+            <a:schemeClr val="accent1">
+              <a:shade val="50000"/>
+            </a:schemeClr>
+          </a:lnRef>
+          <a:fillRef idx="1">
+            <a:schemeClr val="accent1"/>
+          </a:fillRef>
+          <a:effectRef idx="0">
+            <a:schemeClr val="accent1"/>
+          </a:effectRef>
+          <a:fontRef idx="minor">
+            <a:schemeClr val="lt1"/>
+          </a:fontRef>
+        </p:style>
+        <p:txBody>
+          <a:bodyPr rtlCol="0" anchor="ctr"/>
+          <a:lstStyle/>
+          <a:p>
+            <a:pPr algn="ctr"/>
+            <a:endParaRPr lang="fr-FR"/>
+          </a:p>
+        </p:txBody>
+      </p:sp>
+      <p:sp>
+        <p:nvSpPr>
+          <p:cNvPr id="51" name="Ellipse 50">
+            <a:extLst>
+              <a:ext uri="{FF2B5EF4-FFF2-40B4-BE49-F238E27FC236}">
+                <a16:creationId xmlns:a16="http://schemas.microsoft.com/office/drawing/2014/main" id="{95DA171E-A768-EC73-5A70-36AB624C0812}"/>
+              </a:ext>
+            </a:extLst>
+          </p:cNvPr>
+          <p:cNvSpPr/>
+          <p:nvPr/>
+        </p:nvSpPr>
+        <p:spPr>
+          <a:xfrm>
+            <a:off x="3108324" y="7703048"/>
+            <a:ext cx="203200" cy="203200"/>
+          </a:xfrm>
+          <a:prstGeom prst="ellipse">
+            <a:avLst/>
+          </a:prstGeom>
+          <a:solidFill>
+            <a:schemeClr val="bg1"/>
+          </a:solidFill>
+          <a:ln w="28575">
+            <a:solidFill>
+              <a:schemeClr val="accent2"/>
+            </a:solidFill>
+          </a:ln>
+        </p:spPr>
+        <p:style>
+          <a:lnRef idx="2">
+            <a:schemeClr val="accent1">
+              <a:shade val="50000"/>
+            </a:schemeClr>
+          </a:lnRef>
+          <a:fillRef idx="1">
+            <a:schemeClr val="accent1"/>
+          </a:fillRef>
+          <a:effectRef idx="0">
+            <a:schemeClr val="accent1"/>
+          </a:effectRef>
+          <a:fontRef idx="minor">
+            <a:schemeClr val="lt1"/>
+          </a:fontRef>
+        </p:style>
+        <p:txBody>
+          <a:bodyPr lIns="0" tIns="0" rIns="0" bIns="0" rtlCol="0" anchor="ctr"/>
+          <a:lstStyle/>
+          <a:p>
+            <a:pPr algn="ctr"/>
+            <a:r>
+              <a:rPr lang="fr-FR" sz="1200" b="1" dirty="0">
+                <a:solidFill>
+                  <a:schemeClr val="accent2"/>
+                </a:solidFill>
+              </a:rPr>
+              <a:t>8</a:t>
+            </a:r>
+          </a:p>
+        </p:txBody>
+      </p:sp>
+      <p:sp>
+        <p:nvSpPr>
+          <p:cNvPr id="52" name="Rectangle 51">
+            <a:extLst>
+              <a:ext uri="{FF2B5EF4-FFF2-40B4-BE49-F238E27FC236}">
+                <a16:creationId xmlns:a16="http://schemas.microsoft.com/office/drawing/2014/main" id="{F4F0E966-107B-D56B-06B2-21E043CC5294}"/>
+              </a:ext>
+            </a:extLst>
+          </p:cNvPr>
+          <p:cNvSpPr/>
+          <p:nvPr/>
+        </p:nvSpPr>
+        <p:spPr>
+          <a:xfrm>
+            <a:off x="4024374" y="6130004"/>
+            <a:ext cx="542925" cy="1493171"/>
+          </a:xfrm>
+          <a:prstGeom prst="rect">
+            <a:avLst/>
+          </a:prstGeom>
+          <a:noFill/>
+          <a:ln w="19050">
+            <a:solidFill>
+              <a:schemeClr val="accent2"/>
+            </a:solidFill>
+            <a:prstDash val="sysDash"/>
+          </a:ln>
+        </p:spPr>
+        <p:style>
+          <a:lnRef idx="2">
+            <a:schemeClr val="accent1">
+              <a:shade val="50000"/>
+            </a:schemeClr>
+          </a:lnRef>
+          <a:fillRef idx="1">
+            <a:schemeClr val="accent1"/>
+          </a:fillRef>
+          <a:effectRef idx="0">
+            <a:schemeClr val="accent1"/>
+          </a:effectRef>
+          <a:fontRef idx="minor">
+            <a:schemeClr val="lt1"/>
+          </a:fontRef>
+        </p:style>
+        <p:txBody>
+          <a:bodyPr rtlCol="0" anchor="ctr"/>
+          <a:lstStyle/>
+          <a:p>
+            <a:pPr algn="ctr"/>
+            <a:endParaRPr lang="fr-FR"/>
+          </a:p>
+        </p:txBody>
+      </p:sp>
+      <p:sp>
+        <p:nvSpPr>
+          <p:cNvPr id="53" name="Ellipse 52">
+            <a:extLst>
+              <a:ext uri="{FF2B5EF4-FFF2-40B4-BE49-F238E27FC236}">
+                <a16:creationId xmlns:a16="http://schemas.microsoft.com/office/drawing/2014/main" id="{18DBE2D0-F2A7-FF90-F75A-87DAB080F969}"/>
+              </a:ext>
+            </a:extLst>
+          </p:cNvPr>
+          <p:cNvSpPr/>
+          <p:nvPr/>
+        </p:nvSpPr>
+        <p:spPr>
+          <a:xfrm>
+            <a:off x="3743324" y="6908843"/>
+            <a:ext cx="203200" cy="203200"/>
+          </a:xfrm>
+          <a:prstGeom prst="ellipse">
+            <a:avLst/>
+          </a:prstGeom>
+          <a:solidFill>
+            <a:schemeClr val="bg1"/>
+          </a:solidFill>
+          <a:ln w="28575">
+            <a:solidFill>
+              <a:schemeClr val="accent2"/>
+            </a:solidFill>
+          </a:ln>
+        </p:spPr>
+        <p:style>
+          <a:lnRef idx="2">
+            <a:schemeClr val="accent1">
+              <a:shade val="50000"/>
+            </a:schemeClr>
+          </a:lnRef>
+          <a:fillRef idx="1">
+            <a:schemeClr val="accent1"/>
+          </a:fillRef>
+          <a:effectRef idx="0">
+            <a:schemeClr val="accent1"/>
+          </a:effectRef>
+          <a:fontRef idx="minor">
+            <a:schemeClr val="lt1"/>
+          </a:fontRef>
+        </p:style>
+        <p:txBody>
+          <a:bodyPr lIns="0" tIns="0" rIns="0" bIns="0" rtlCol="0" anchor="ctr"/>
+          <a:lstStyle/>
+          <a:p>
+            <a:pPr algn="ctr"/>
+            <a:r>
+              <a:rPr lang="fr-FR" sz="1200" b="1" dirty="0">
+                <a:solidFill>
+                  <a:schemeClr val="accent2"/>
+                </a:solidFill>
+              </a:rPr>
+              <a:t>9</a:t>
+            </a:r>
+          </a:p>
+        </p:txBody>
+      </p:sp>
     </p:spTree>
     <p:extLst>
       <p:ext uri="{BB962C8B-B14F-4D97-AF65-F5344CB8AC3E}">
@@ -4927,7 +5843,7 @@
             </a:solidFill>
             <a:ln w="28575">
               <a:solidFill>
-                <a:srgbClr val="00B050"/>
+                <a:srgbClr val="7030A0"/>
               </a:solidFill>
             </a:ln>
           </p:spPr>
@@ -4953,18 +5869,13 @@
             <a:p>
               <a:pPr algn="ctr"/>
               <a:r>
-                <a:rPr lang="fr-FR" sz="1200" b="1" dirty="0" smtClean="0">
+                <a:rPr lang="fr-FR" sz="1200" b="1" dirty="0">
                   <a:solidFill>
-                    <a:srgbClr val="00B050"/>
+                    <a:srgbClr val="7030A0"/>
                   </a:solidFill>
                 </a:rPr>
                 <a:t>3</a:t>
               </a:r>
-              <a:endParaRPr lang="fr-FR" sz="1200" b="1" dirty="0">
-                <a:solidFill>
-                  <a:srgbClr val="00B050"/>
-                </a:solidFill>
-              </a:endParaRPr>
             </a:p>
           </p:txBody>
         </p:sp>
@@ -4987,7 +5898,7 @@
             </a:solidFill>
             <a:ln w="28575">
               <a:solidFill>
-                <a:srgbClr val="00B050"/>
+                <a:srgbClr val="7030A0"/>
               </a:solidFill>
             </a:ln>
           </p:spPr>
@@ -5013,18 +5924,13 @@
             <a:p>
               <a:pPr algn="ctr"/>
               <a:r>
-                <a:rPr lang="fr-FR" sz="1200" b="1" dirty="0" smtClean="0">
+                <a:rPr lang="fr-FR" sz="1200" b="1" dirty="0">
                   <a:solidFill>
-                    <a:srgbClr val="00B050"/>
+                    <a:srgbClr val="7030A0"/>
                   </a:solidFill>
                 </a:rPr>
                 <a:t>3</a:t>
               </a:r>
-              <a:endParaRPr lang="fr-FR" sz="1200" b="1" dirty="0">
-                <a:solidFill>
-                  <a:srgbClr val="00B050"/>
-                </a:solidFill>
-              </a:endParaRPr>
             </a:p>
           </p:txBody>
         </p:sp>
@@ -5045,7 +5951,7 @@
             <a:noFill/>
             <a:ln w="19050">
               <a:solidFill>
-                <a:srgbClr val="00B050"/>
+                <a:srgbClr val="7030A0"/>
               </a:solidFill>
               <a:prstDash val="sysDash"/>
             </a:ln>
@@ -5094,7 +6000,7 @@
             </a:solidFill>
             <a:ln w="28575">
               <a:solidFill>
-                <a:srgbClr val="00B050"/>
+                <a:srgbClr val="7030A0"/>
               </a:solidFill>
             </a:ln>
           </p:spPr>
@@ -5120,18 +6026,13 @@
             <a:p>
               <a:pPr algn="ctr"/>
               <a:r>
-                <a:rPr lang="fr-FR" sz="1200" b="1" dirty="0" smtClean="0">
+                <a:rPr lang="fr-FR" sz="1200" b="1" dirty="0">
                   <a:solidFill>
-                    <a:srgbClr val="00B050"/>
+                    <a:srgbClr val="7030A0"/>
                   </a:solidFill>
                 </a:rPr>
                 <a:t>4</a:t>
               </a:r>
-              <a:endParaRPr lang="fr-FR" sz="1200" b="1" dirty="0">
-                <a:solidFill>
-                  <a:srgbClr val="00B050"/>
-                </a:solidFill>
-              </a:endParaRPr>
             </a:p>
           </p:txBody>
         </p:sp>
@@ -5182,14 +6083,513 @@
         </p:blipFill>
         <p:spPr>
           <a:xfrm>
-            <a:off x="2071126" y="418680"/>
-            <a:ext cx="8049748" cy="6020640"/>
+            <a:off x="1491446" y="2101640"/>
+            <a:ext cx="3850633" cy="2880000"/>
           </a:xfrm>
           <a:prstGeom prst="rect">
             <a:avLst/>
           </a:prstGeom>
         </p:spPr>
       </p:pic>
+      <p:pic>
+        <p:nvPicPr>
+          <p:cNvPr id="2" name="Image 1">
+            <a:extLst>
+              <a:ext uri="{FF2B5EF4-FFF2-40B4-BE49-F238E27FC236}">
+                <a16:creationId xmlns:a16="http://schemas.microsoft.com/office/drawing/2014/main" id="{0ED7797F-C974-8B14-EDC1-356A4FCB40B8}"/>
+              </a:ext>
+            </a:extLst>
+          </p:cNvPr>
+          <p:cNvPicPr>
+            <a:picLocks noChangeAspect="1"/>
+          </p:cNvPicPr>
+          <p:nvPr/>
+        </p:nvPicPr>
+        <p:blipFill>
+          <a:blip r:embed="rId3"/>
+          <a:stretch>
+            <a:fillRect/>
+          </a:stretch>
+        </p:blipFill>
+        <p:spPr>
+          <a:xfrm>
+            <a:off x="5541320" y="2101640"/>
+            <a:ext cx="3846105" cy="2880000"/>
+          </a:xfrm>
+          <a:prstGeom prst="rect">
+            <a:avLst/>
+          </a:prstGeom>
+        </p:spPr>
+      </p:pic>
+      <p:sp>
+        <p:nvSpPr>
+          <p:cNvPr id="3" name="Rectangle 2">
+            <a:extLst>
+              <a:ext uri="{FF2B5EF4-FFF2-40B4-BE49-F238E27FC236}">
+                <a16:creationId xmlns:a16="http://schemas.microsoft.com/office/drawing/2014/main" id="{4EE250BB-F468-B733-9AAA-554F3E98835B}"/>
+              </a:ext>
+            </a:extLst>
+          </p:cNvPr>
+          <p:cNvSpPr/>
+          <p:nvPr/>
+        </p:nvSpPr>
+        <p:spPr>
+          <a:xfrm>
+            <a:off x="2705100" y="4578349"/>
+            <a:ext cx="1419832" cy="203200"/>
+          </a:xfrm>
+          <a:prstGeom prst="rect">
+            <a:avLst/>
+          </a:prstGeom>
+          <a:noFill/>
+          <a:ln w="19050">
+            <a:solidFill>
+              <a:schemeClr val="accent5"/>
+            </a:solidFill>
+            <a:prstDash val="sysDash"/>
+          </a:ln>
+        </p:spPr>
+        <p:style>
+          <a:lnRef idx="2">
+            <a:schemeClr val="accent1">
+              <a:shade val="50000"/>
+            </a:schemeClr>
+          </a:lnRef>
+          <a:fillRef idx="1">
+            <a:schemeClr val="accent1"/>
+          </a:fillRef>
+          <a:effectRef idx="0">
+            <a:schemeClr val="accent1"/>
+          </a:effectRef>
+          <a:fontRef idx="minor">
+            <a:schemeClr val="lt1"/>
+          </a:fontRef>
+        </p:style>
+        <p:txBody>
+          <a:bodyPr rtlCol="0" anchor="ctr"/>
+          <a:lstStyle/>
+          <a:p>
+            <a:pPr algn="ctr"/>
+            <a:endParaRPr lang="fr-FR"/>
+          </a:p>
+        </p:txBody>
+      </p:sp>
+      <p:sp>
+        <p:nvSpPr>
+          <p:cNvPr id="5" name="Ellipse 4">
+            <a:extLst>
+              <a:ext uri="{FF2B5EF4-FFF2-40B4-BE49-F238E27FC236}">
+                <a16:creationId xmlns:a16="http://schemas.microsoft.com/office/drawing/2014/main" id="{35D1C3E5-4D51-2D21-C38F-140768391506}"/>
+              </a:ext>
+            </a:extLst>
+          </p:cNvPr>
+          <p:cNvSpPr/>
+          <p:nvPr/>
+        </p:nvSpPr>
+        <p:spPr>
+          <a:xfrm>
+            <a:off x="2402280" y="4581948"/>
+            <a:ext cx="203200" cy="203200"/>
+          </a:xfrm>
+          <a:prstGeom prst="ellipse">
+            <a:avLst/>
+          </a:prstGeom>
+          <a:solidFill>
+            <a:schemeClr val="bg1"/>
+          </a:solidFill>
+          <a:ln w="19050">
+            <a:solidFill>
+              <a:schemeClr val="accent5"/>
+            </a:solidFill>
+          </a:ln>
+        </p:spPr>
+        <p:style>
+          <a:lnRef idx="2">
+            <a:schemeClr val="accent1">
+              <a:shade val="50000"/>
+            </a:schemeClr>
+          </a:lnRef>
+          <a:fillRef idx="1">
+            <a:schemeClr val="accent1"/>
+          </a:fillRef>
+          <a:effectRef idx="0">
+            <a:schemeClr val="accent1"/>
+          </a:effectRef>
+          <a:fontRef idx="minor">
+            <a:schemeClr val="lt1"/>
+          </a:fontRef>
+        </p:style>
+        <p:txBody>
+          <a:bodyPr lIns="0" tIns="0" rIns="0" bIns="0" rtlCol="0" anchor="ctr"/>
+          <a:lstStyle/>
+          <a:p>
+            <a:pPr algn="ctr"/>
+            <a:r>
+              <a:rPr lang="fr-FR" sz="1100" b="1" dirty="0">
+                <a:solidFill>
+                  <a:schemeClr val="accent5"/>
+                </a:solidFill>
+              </a:rPr>
+              <a:t>a</a:t>
+            </a:r>
+          </a:p>
+        </p:txBody>
+      </p:sp>
+      <p:pic>
+        <p:nvPicPr>
+          <p:cNvPr id="6" name="Image 5">
+            <a:extLst>
+              <a:ext uri="{FF2B5EF4-FFF2-40B4-BE49-F238E27FC236}">
+                <a16:creationId xmlns:a16="http://schemas.microsoft.com/office/drawing/2014/main" id="{6CFB97A0-AABA-4146-AB53-17215AA6D884}"/>
+              </a:ext>
+            </a:extLst>
+          </p:cNvPr>
+          <p:cNvPicPr>
+            <a:picLocks noChangeAspect="1"/>
+          </p:cNvPicPr>
+          <p:nvPr/>
+        </p:nvPicPr>
+        <p:blipFill rotWithShape="1">
+          <a:blip r:embed="rId4"/>
+          <a:srcRect r="8107"/>
+          <a:stretch/>
+        </p:blipFill>
+        <p:spPr>
+          <a:xfrm>
+            <a:off x="4235513" y="4333016"/>
+            <a:ext cx="995984" cy="490666"/>
+          </a:xfrm>
+          <a:prstGeom prst="rect">
+            <a:avLst/>
+          </a:prstGeom>
+          <a:ln w="19050">
+            <a:solidFill>
+              <a:schemeClr val="accent5"/>
+            </a:solidFill>
+            <a:prstDash val="sysDash"/>
+          </a:ln>
+        </p:spPr>
+      </p:pic>
+      <p:cxnSp>
+        <p:nvCxnSpPr>
+          <p:cNvPr id="8" name="Connecteur droit 7">
+            <a:extLst>
+              <a:ext uri="{FF2B5EF4-FFF2-40B4-BE49-F238E27FC236}">
+                <a16:creationId xmlns:a16="http://schemas.microsoft.com/office/drawing/2014/main" id="{7E1DB6F4-7A08-FED4-45D3-B9358C019919}"/>
+              </a:ext>
+            </a:extLst>
+          </p:cNvPr>
+          <p:cNvCxnSpPr/>
+          <p:nvPr/>
+        </p:nvCxnSpPr>
+        <p:spPr>
+          <a:xfrm flipV="1">
+            <a:off x="4124932" y="4324350"/>
+            <a:ext cx="110581" cy="253999"/>
+          </a:xfrm>
+          <a:prstGeom prst="line">
+            <a:avLst/>
+          </a:prstGeom>
+          <a:noFill/>
+          <a:ln w="19050">
+            <a:solidFill>
+              <a:schemeClr val="accent5"/>
+            </a:solidFill>
+            <a:prstDash val="sysDash"/>
+          </a:ln>
+        </p:spPr>
+        <p:style>
+          <a:lnRef idx="2">
+            <a:schemeClr val="accent1">
+              <a:shade val="50000"/>
+            </a:schemeClr>
+          </a:lnRef>
+          <a:fillRef idx="1">
+            <a:schemeClr val="accent1"/>
+          </a:fillRef>
+          <a:effectRef idx="0">
+            <a:schemeClr val="accent1"/>
+          </a:effectRef>
+          <a:fontRef idx="minor">
+            <a:schemeClr val="lt1"/>
+          </a:fontRef>
+        </p:style>
+      </p:cxnSp>
+      <p:cxnSp>
+        <p:nvCxnSpPr>
+          <p:cNvPr id="9" name="Connecteur droit 8">
+            <a:extLst>
+              <a:ext uri="{FF2B5EF4-FFF2-40B4-BE49-F238E27FC236}">
+                <a16:creationId xmlns:a16="http://schemas.microsoft.com/office/drawing/2014/main" id="{63C86E43-6738-3B21-29DC-B3A66366472F}"/>
+              </a:ext>
+            </a:extLst>
+          </p:cNvPr>
+          <p:cNvCxnSpPr>
+            <a:cxnSpLocks/>
+          </p:cNvCxnSpPr>
+          <p:nvPr/>
+        </p:nvCxnSpPr>
+        <p:spPr>
+          <a:xfrm>
+            <a:off x="4124931" y="4775662"/>
+            <a:ext cx="110582" cy="56686"/>
+          </a:xfrm>
+          <a:prstGeom prst="line">
+            <a:avLst/>
+          </a:prstGeom>
+          <a:noFill/>
+          <a:ln w="19050">
+            <a:solidFill>
+              <a:schemeClr val="accent5"/>
+            </a:solidFill>
+            <a:prstDash val="sysDash"/>
+          </a:ln>
+        </p:spPr>
+        <p:style>
+          <a:lnRef idx="2">
+            <a:schemeClr val="accent1">
+              <a:shade val="50000"/>
+            </a:schemeClr>
+          </a:lnRef>
+          <a:fillRef idx="1">
+            <a:schemeClr val="accent1"/>
+          </a:fillRef>
+          <a:effectRef idx="0">
+            <a:schemeClr val="accent1"/>
+          </a:effectRef>
+          <a:fontRef idx="minor">
+            <a:schemeClr val="lt1"/>
+          </a:fontRef>
+        </p:style>
+      </p:cxnSp>
+      <p:sp>
+        <p:nvSpPr>
+          <p:cNvPr id="12" name="Rectangle 11">
+            <a:extLst>
+              <a:ext uri="{FF2B5EF4-FFF2-40B4-BE49-F238E27FC236}">
+                <a16:creationId xmlns:a16="http://schemas.microsoft.com/office/drawing/2014/main" id="{D49E3DCA-B62A-F1C6-80EC-60DF39383424}"/>
+              </a:ext>
+            </a:extLst>
+          </p:cNvPr>
+          <p:cNvSpPr/>
+          <p:nvPr/>
+        </p:nvSpPr>
+        <p:spPr>
+          <a:xfrm>
+            <a:off x="1663109" y="2594174"/>
+            <a:ext cx="1141465" cy="1124386"/>
+          </a:xfrm>
+          <a:prstGeom prst="rect">
+            <a:avLst/>
+          </a:prstGeom>
+          <a:noFill/>
+          <a:ln w="19050">
+            <a:solidFill>
+              <a:schemeClr val="accent5"/>
+            </a:solidFill>
+            <a:prstDash val="sysDash"/>
+          </a:ln>
+        </p:spPr>
+        <p:style>
+          <a:lnRef idx="2">
+            <a:schemeClr val="accent1">
+              <a:shade val="50000"/>
+            </a:schemeClr>
+          </a:lnRef>
+          <a:fillRef idx="1">
+            <a:schemeClr val="accent1"/>
+          </a:fillRef>
+          <a:effectRef idx="0">
+            <a:schemeClr val="accent1"/>
+          </a:effectRef>
+          <a:fontRef idx="minor">
+            <a:schemeClr val="lt1"/>
+          </a:fontRef>
+        </p:style>
+        <p:txBody>
+          <a:bodyPr rtlCol="0" anchor="ctr"/>
+          <a:lstStyle/>
+          <a:p>
+            <a:pPr algn="ctr"/>
+            <a:endParaRPr lang="fr-FR"/>
+          </a:p>
+        </p:txBody>
+      </p:sp>
+      <p:sp>
+        <p:nvSpPr>
+          <p:cNvPr id="13" name="Ellipse 12">
+            <a:extLst>
+              <a:ext uri="{FF2B5EF4-FFF2-40B4-BE49-F238E27FC236}">
+                <a16:creationId xmlns:a16="http://schemas.microsoft.com/office/drawing/2014/main" id="{0C0CF617-558D-A790-BE0E-FD27998814A5}"/>
+              </a:ext>
+            </a:extLst>
+          </p:cNvPr>
+          <p:cNvSpPr/>
+          <p:nvPr/>
+        </p:nvSpPr>
+        <p:spPr>
+          <a:xfrm>
+            <a:off x="2874637" y="3054767"/>
+            <a:ext cx="203200" cy="203200"/>
+          </a:xfrm>
+          <a:prstGeom prst="ellipse">
+            <a:avLst/>
+          </a:prstGeom>
+          <a:solidFill>
+            <a:schemeClr val="bg1"/>
+          </a:solidFill>
+          <a:ln w="19050">
+            <a:solidFill>
+              <a:schemeClr val="accent5"/>
+            </a:solidFill>
+          </a:ln>
+        </p:spPr>
+        <p:style>
+          <a:lnRef idx="2">
+            <a:schemeClr val="accent1">
+              <a:shade val="50000"/>
+            </a:schemeClr>
+          </a:lnRef>
+          <a:fillRef idx="1">
+            <a:schemeClr val="accent1"/>
+          </a:fillRef>
+          <a:effectRef idx="0">
+            <a:schemeClr val="accent1"/>
+          </a:effectRef>
+          <a:fontRef idx="minor">
+            <a:schemeClr val="lt1"/>
+          </a:fontRef>
+        </p:style>
+        <p:txBody>
+          <a:bodyPr lIns="0" tIns="0" rIns="0" bIns="0" rtlCol="0" anchor="ctr"/>
+          <a:lstStyle/>
+          <a:p>
+            <a:pPr algn="ctr"/>
+            <a:r>
+              <a:rPr lang="fr-FR" sz="1100" b="1" dirty="0">
+                <a:solidFill>
+                  <a:schemeClr val="accent5"/>
+                </a:solidFill>
+              </a:rPr>
+              <a:t>b</a:t>
+            </a:r>
+          </a:p>
+        </p:txBody>
+      </p:sp>
+      <p:sp>
+        <p:nvSpPr>
+          <p:cNvPr id="14" name="Rectangle 13">
+            <a:extLst>
+              <a:ext uri="{FF2B5EF4-FFF2-40B4-BE49-F238E27FC236}">
+                <a16:creationId xmlns:a16="http://schemas.microsoft.com/office/drawing/2014/main" id="{F56DBD92-9D2B-786C-587F-AF8D7EB79B2A}"/>
+              </a:ext>
+            </a:extLst>
+          </p:cNvPr>
+          <p:cNvSpPr/>
+          <p:nvPr/>
+        </p:nvSpPr>
+        <p:spPr>
+          <a:xfrm>
+            <a:off x="1663109" y="3915873"/>
+            <a:ext cx="3234011" cy="364880"/>
+          </a:xfrm>
+          <a:prstGeom prst="rect">
+            <a:avLst/>
+          </a:prstGeom>
+          <a:noFill/>
+          <a:ln w="19050">
+            <a:solidFill>
+              <a:schemeClr val="accent5"/>
+            </a:solidFill>
+            <a:prstDash val="sysDash"/>
+          </a:ln>
+        </p:spPr>
+        <p:style>
+          <a:lnRef idx="2">
+            <a:schemeClr val="accent1">
+              <a:shade val="50000"/>
+            </a:schemeClr>
+          </a:lnRef>
+          <a:fillRef idx="1">
+            <a:schemeClr val="accent1"/>
+          </a:fillRef>
+          <a:effectRef idx="0">
+            <a:schemeClr val="accent1"/>
+          </a:effectRef>
+          <a:fontRef idx="minor">
+            <a:schemeClr val="lt1"/>
+          </a:fontRef>
+        </p:style>
+        <p:txBody>
+          <a:bodyPr rtlCol="0" anchor="ctr"/>
+          <a:lstStyle/>
+          <a:p>
+            <a:pPr algn="ctr"/>
+            <a:endParaRPr lang="fr-FR"/>
+          </a:p>
+        </p:txBody>
+      </p:sp>
+      <p:sp>
+        <p:nvSpPr>
+          <p:cNvPr id="15" name="Ellipse 14">
+            <a:extLst>
+              <a:ext uri="{FF2B5EF4-FFF2-40B4-BE49-F238E27FC236}">
+                <a16:creationId xmlns:a16="http://schemas.microsoft.com/office/drawing/2014/main" id="{3E953AA6-6CAD-4FD7-25EC-4D70B57499DE}"/>
+              </a:ext>
+            </a:extLst>
+          </p:cNvPr>
+          <p:cNvSpPr/>
+          <p:nvPr/>
+        </p:nvSpPr>
+        <p:spPr>
+          <a:xfrm>
+            <a:off x="3011797" y="3996713"/>
+            <a:ext cx="203200" cy="203200"/>
+          </a:xfrm>
+          <a:prstGeom prst="ellipse">
+            <a:avLst/>
+          </a:prstGeom>
+          <a:solidFill>
+            <a:schemeClr val="bg1"/>
+          </a:solidFill>
+          <a:ln w="19050">
+            <a:solidFill>
+              <a:schemeClr val="accent5"/>
+            </a:solidFill>
+          </a:ln>
+        </p:spPr>
+        <p:style>
+          <a:lnRef idx="2">
+            <a:schemeClr val="accent1">
+              <a:shade val="50000"/>
+            </a:schemeClr>
+          </a:lnRef>
+          <a:fillRef idx="1">
+            <a:schemeClr val="accent1"/>
+          </a:fillRef>
+          <a:effectRef idx="0">
+            <a:schemeClr val="accent1"/>
+          </a:effectRef>
+          <a:fontRef idx="minor">
+            <a:schemeClr val="lt1"/>
+          </a:fontRef>
+        </p:style>
+        <p:txBody>
+          <a:bodyPr lIns="0" tIns="0" rIns="0" bIns="0" rtlCol="0" anchor="ctr"/>
+          <a:lstStyle/>
+          <a:p>
+            <a:pPr algn="ctr"/>
+            <a:r>
+              <a:rPr lang="fr-FR" sz="1100" b="1" dirty="0">
+                <a:solidFill>
+                  <a:schemeClr val="accent5"/>
+                </a:solidFill>
+              </a:rPr>
+              <a:t>c</a:t>
+            </a:r>
+          </a:p>
+        </p:txBody>
+      </p:sp>
     </p:spTree>
     <p:extLst>
       <p:ext uri="{BB962C8B-B14F-4D97-AF65-F5344CB8AC3E}">
@@ -5220,30 +6620,6 @@
           <a:chExt cx="0" cy="0"/>
         </a:xfrm>
       </p:grpSpPr>
-      <p:pic>
-        <p:nvPicPr>
-          <p:cNvPr id="2" name="Image 1"/>
-          <p:cNvPicPr>
-            <a:picLocks noChangeAspect="1"/>
-          </p:cNvPicPr>
-          <p:nvPr/>
-        </p:nvPicPr>
-        <p:blipFill>
-          <a:blip r:embed="rId2"/>
-          <a:stretch>
-            <a:fillRect/>
-          </a:stretch>
-        </p:blipFill>
-        <p:spPr>
-          <a:xfrm>
-            <a:off x="2094941" y="432969"/>
-            <a:ext cx="8002117" cy="5992061"/>
-          </a:xfrm>
-          <a:prstGeom prst="rect">
-            <a:avLst/>
-          </a:prstGeom>
-        </p:spPr>
-      </p:pic>
     </p:spTree>
     <p:extLst>
       <p:ext uri="{BB962C8B-B14F-4D97-AF65-F5344CB8AC3E}">
@@ -5521,18 +6897,13 @@
           <a:p>
             <a:pPr algn="ctr"/>
             <a:r>
-              <a:rPr lang="fr-FR" sz="1200" b="1" dirty="0" smtClean="0">
+              <a:rPr lang="fr-FR" sz="1200" b="1" dirty="0">
                 <a:solidFill>
                   <a:srgbClr val="00B050"/>
                 </a:solidFill>
               </a:rPr>
               <a:t>3</a:t>
             </a:r>
-            <a:endParaRPr lang="fr-FR" sz="1200" b="1" dirty="0">
-              <a:solidFill>
-                <a:srgbClr val="00B050"/>
-              </a:solidFill>
-            </a:endParaRPr>
           </a:p>
         </p:txBody>
       </p:sp>
@@ -5581,18 +6952,13 @@
           <a:p>
             <a:pPr algn="ctr"/>
             <a:r>
-              <a:rPr lang="fr-FR" sz="1200" b="1" dirty="0" smtClean="0">
+              <a:rPr lang="fr-FR" sz="1200" b="1" dirty="0">
                 <a:solidFill>
                   <a:srgbClr val="00B050"/>
                 </a:solidFill>
               </a:rPr>
               <a:t>3</a:t>
             </a:r>
-            <a:endParaRPr lang="fr-FR" sz="1200" b="1" dirty="0">
-              <a:solidFill>
-                <a:srgbClr val="00B050"/>
-              </a:solidFill>
-            </a:endParaRPr>
           </a:p>
         </p:txBody>
       </p:sp>
@@ -5688,18 +7054,13 @@
           <a:p>
             <a:pPr algn="ctr"/>
             <a:r>
-              <a:rPr lang="fr-FR" sz="1200" b="1" dirty="0" smtClean="0">
+              <a:rPr lang="fr-FR" sz="1200" b="1" dirty="0">
                 <a:solidFill>
                   <a:srgbClr val="00B050"/>
                 </a:solidFill>
               </a:rPr>
               <a:t>4</a:t>
             </a:r>
-            <a:endParaRPr lang="fr-FR" sz="1200" b="1" dirty="0">
-              <a:solidFill>
-                <a:srgbClr val="00B050"/>
-              </a:solidFill>
-            </a:endParaRPr>
           </a:p>
         </p:txBody>
       </p:sp>
